--- a/ChipManualGenerationSogt/bin/Debug/resources/temp/MML806_V1.pptx
+++ b/ChipManualGenerationSogt/bin/Debug/resources/temp/MML806_V1.pptx
@@ -12,14 +12,16 @@
   </p:handoutMasterIdLst>
   <p:sldIdLst>
     <p:sldId id="256" r:id="rId2"/>
-    <p:sldId id="257" r:id="R416b414bc3f8491c"/>
-    <p:sldId id="258" r:id="R1c542346c6164b09"/>
-    <p:sldId id="259" r:id="R6fbd270be85844d2"/>
-    <p:sldId id="260" r:id="Rc9e09c86433e4a9b"/>
-    <p:sldId id="261" r:id="R44cf370590ea415b"/>
-    <p:sldId id="262" r:id="R00354bbb5b004721"/>
-    <p:sldId id="263" r:id="R7eef29483caa433c"/>
-    <p:sldId id="264" r:id="R9502bd5e856e4695"/>
+    <p:sldId id="257" r:id="R2b7962e6c24f4fca"/>
+    <p:sldId id="258" r:id="Rdae7a9f949f04a6a"/>
+    <p:sldId id="259" r:id="R6ffef42843d84260"/>
+    <p:sldId id="260" r:id="R5ef6c2142f8e48e5"/>
+    <p:sldId id="261" r:id="Rca8cb28421e34130"/>
+    <p:sldId id="262" r:id="R61d70a6bae694297"/>
+    <p:sldId id="263" r:id="Rf506600d812d4c08"/>
+    <p:sldId id="264" r:id="R66de348e35184ccc"/>
+    <p:sldId id="265" r:id="R42032334f29e4653"/>
+    <p:sldId id="266" r:id="Re3768508a5e24246"/>
   </p:sldIdLst>
   <p:sldSz cx="7773988" cy="10059988"/>
   <p:notesSz cx="7315200" cy="9601200"/>
@@ -267,7 +269,7 @@
             <a:fld id="{0F9B84EA-7D68-4D60-9CB1-D50884785D1C}" type="datetimeFigureOut">
               <a:rPr lang="zh-CN" altLang="en-US" smtClean="0"/>
               <a:pPr/>
-              <a:t>2025/11/7</a:t>
+              <a:t>2025/10/16</a:t>
             </a:fld>
             <a:endParaRPr lang="zh-CN" altLang="en-US"/>
           </a:p>
@@ -434,7 +436,7 @@
             <a:fld id="{2BE6DBB6-2952-4A93-9974-C9B86C7988FE}" type="datetimeFigureOut">
               <a:rPr lang="en-US" altLang="zh-CN"/>
               <a:pPr/>
-              <a:t>11/7/2025</a:t>
+              <a:t>10/16/2025</a:t>
             </a:fld>
             <a:endParaRPr lang="en-US" altLang="zh-CN" dirty="0"/>
           </a:p>
@@ -1427,7 +1429,50 @@
                 <a:ea typeface="宋体" panose="02010600030101010101" pitchFamily="2" charset="-122"/>
                 <a:cs typeface="Arial" panose="020B0604020202020204" pitchFamily="34" charset="0"/>
               </a:rPr>
-              <a:t>0-10GHz</a:t>
+              <a:t>0-10GHzGHz</a:t>
+            </a:r>
+          </a:p>
+        </p:txBody>
+      </p:sp>
+      <p:sp>
+        <p:nvSpPr>
+          <p:cNvPr id="14" name="文本框 13">
+            <a:extLst>
+              <a:ext uri="{FF2B5EF4-FFF2-40B4-BE49-F238E27FC236}">
+                <a16:creationId xmlns:a16="http://schemas.microsoft.com/office/drawing/2014/main" id="{D672F8E8-C6E9-4DC2-876C-D956C131E244}"/>
+              </a:ext>
+            </a:extLst>
+          </p:cNvPr>
+          <p:cNvSpPr txBox="1"/>
+          <p:nvPr userDrawn="1"/>
+        </p:nvSpPr>
+        <p:spPr>
+          <a:xfrm>
+            <a:off x="7257670" y="1366942"/>
+            <a:ext cx="420115" cy="998756"/>
+          </a:xfrm>
+          <a:prstGeom prst="rect">
+            <a:avLst/>
+          </a:prstGeom>
+          <a:solidFill>
+            <a:srgbClr val="FF6600"/>
+          </a:solidFill>
+        </p:spPr>
+        <p:txBody>
+          <a:bodyPr vert="eaVert" wrap="square" rtlCol="0">
+            <a:spAutoFit/>
+          </a:bodyPr>
+          <a:lstStyle/>
+          <a:p>
+            <a:r>
+              <a:rPr lang="en-US" sz="1530" b="1" dirty="0">
+                <a:solidFill>
+                  <a:schemeClr val="bg1"/>
+                </a:solidFill>
+                <a:uFillTx/>
+                <a:sym typeface="+mn-ea"/>
+              </a:rPr>
+              <a:t>   MML806</a:t>
             </a:r>
           </a:p>
         </p:txBody>
@@ -1446,8 +1491,8 @@
         </p:nvSpPr>
         <p:spPr>
           <a:xfrm rot="5400000">
-            <a:off x="3636473" y="6047290"/>
-            <a:ext cx="7672558" cy="338554"/>
+            <a:off x="6666281" y="5730689"/>
+            <a:ext cx="1612942" cy="338554"/>
           </a:xfrm>
           <a:prstGeom prst="rect">
             <a:avLst/>
@@ -1455,12 +1500,12 @@
           <a:noFill/>
         </p:spPr>
         <p:txBody>
-          <a:bodyPr wrap="square" rtlCol="0">
+          <a:bodyPr wrap="none" rtlCol="0">
             <a:spAutoFit/>
           </a:bodyPr>
           <a:lstStyle/>
           <a:p>
-            <a:pPr marL="0" marR="0" lvl="0" indent="0" algn="ctr" defTabSz="914400" rtl="0" eaLnBrk="1" fontAlgn="base" latinLnBrk="0" hangingPunct="1">
+            <a:pPr marL="0" marR="0" lvl="0" indent="0" algn="l" defTabSz="914400" rtl="0" eaLnBrk="1" fontAlgn="base" latinLnBrk="0" hangingPunct="1">
               <a:lnSpc>
                 <a:spcPct val="100000"/>
               </a:lnSpc>
@@ -1478,7 +1523,7 @@
               <a:defRPr/>
             </a:pPr>
             <a:r>
-              <a:rPr lang="en-US" sz="1600" b="1" kern="1200" dirty="0">
+              <a:rPr lang="en-US" sz="1600" b="1" kern="1200">
                 <a:solidFill>
                   <a:schemeClr val="bg1"/>
                 </a:solidFill>
@@ -1490,6 +1535,16 @@
               </a:rPr>
               <a:t>GaAs Low Noise Amplifier MMIC 0-10GHz</a:t>
             </a:r>
+            <a:endParaRPr lang="en-US" sz="1600" b="1" kern="1200" dirty="0">
+              <a:solidFill>
+                <a:schemeClr val="bg1"/>
+              </a:solidFill>
+              <a:uFillTx/>
+              <a:latin typeface="Arial" panose="020B0604020202020204" pitchFamily="34" charset="0"/>
+              <a:ea typeface="宋体" panose="02010600030101010101" pitchFamily="2" charset="-122"/>
+              <a:cs typeface="Arial" panose="020B0604020202020204" pitchFamily="34" charset="0"/>
+              <a:sym typeface="+mn-ea"/>
+            </a:endParaRPr>
           </a:p>
         </p:txBody>
       </p:sp>
@@ -1527,55 +1582,6 @@
               <a:t>     MML806</a:t>
             </a:r>
             <a:endParaRPr lang="zh-CN" altLang="en-US" sz="1800" b="1" dirty="0"/>
-          </a:p>
-        </p:txBody>
-      </p:sp>
-      <p:sp>
-        <p:nvSpPr>
-          <p:cNvPr id="6" name="文本框 21">
-            <a:extLst>
-              <a:ext uri="{FF2B5EF4-FFF2-40B4-BE49-F238E27FC236}">
-                <a16:creationId xmlns:a16="http://schemas.microsoft.com/office/drawing/2014/main" id="{BC720A33-2175-40B5-A2F4-C422A0E480D5}"/>
-              </a:ext>
-            </a:extLst>
-          </p:cNvPr>
-          <p:cNvSpPr txBox="1"/>
-          <p:nvPr userDrawn="1"/>
-        </p:nvSpPr>
-        <p:spPr>
-          <a:xfrm>
-            <a:off x="7277121" y="1293027"/>
-            <a:ext cx="430887" cy="1080119"/>
-          </a:xfrm>
-          <a:prstGeom prst="rect">
-            <a:avLst/>
-          </a:prstGeom>
-          <a:noFill/>
-        </p:spPr>
-        <p:txBody>
-          <a:bodyPr vert="eaVert" wrap="square" rtlCol="0">
-            <a:spAutoFit/>
-          </a:bodyPr>
-          <a:lstStyle/>
-          <a:p>
-            <a:pPr algn="ctr"/>
-            <a:r>
-              <a:rPr lang="en-US" altLang="zh-CN" sz="1600" b="1" dirty="0">
-                <a:solidFill>
-                  <a:schemeClr val="bg1">
-                    <a:lumMod val="95000"/>
-                  </a:schemeClr>
-                </a:solidFill>
-              </a:rPr>
-              <a:t>MML806</a:t>
-            </a:r>
-            <a:endParaRPr lang="zh-CN" altLang="en-US" sz="1600" b="1" dirty="0">
-              <a:solidFill>
-                <a:schemeClr val="bg1">
-                  <a:lumMod val="95000"/>
-                </a:schemeClr>
-              </a:solidFill>
-            </a:endParaRPr>
           </a:p>
         </p:txBody>
       </p:sp>
@@ -6706,7 +6712,7 @@
           <p:nvPr/>
         </p:nvPicPr>
         <p:blipFill>
-          <a:blip r:embed="Re5715d24c8af4887"/>
+          <a:blip r:embed="R7a633be971f6442b"/>
           <a:stretch>
             <a:fillRect/>
           </a:stretch>
@@ -6725,6 +6731,548 @@
   </p:cSld>
   <p:clrMapOvr>
     <a:masterClrMapping/>
+  </p:clrMapOvr>
+</p:sld>
+</file>
+
+<file path=ppt/slides/slide10.xml><?xml version="1.0" encoding="utf-8"?>
+<p:sld xmlns:p="http://schemas.openxmlformats.org/presentationml/2006/main">
+  <p:cSld name="Blank">
+    <p:spTree>
+      <p:nvGrpSpPr>
+        <p:cNvPr id="1" name=""/>
+        <p:cNvGrpSpPr/>
+        <p:nvPr/>
+      </p:nvGrpSpPr>
+      <p:grpSpPr>
+        <a:xfrm xmlns:a="http://schemas.openxmlformats.org/drawingml/2006/main">
+          <a:off x="0" y="0"/>
+          <a:ext cx="0" cy="0"/>
+          <a:chOff x="0" y="0"/>
+          <a:chExt cx="0" cy="0"/>
+        </a:xfrm>
+      </p:grpSpPr>
+      <p:pic>
+        <p:nvPicPr>
+          <p:cNvPr id="100" name="框图.png"/>
+          <p:cNvPicPr>
+            <a:picLocks xmlns:a="http://schemas.openxmlformats.org/drawingml/2006/main" noChangeAspect="1"/>
+          </p:cNvPicPr>
+          <p:nvPr/>
+        </p:nvPicPr>
+        <p:blipFill>
+          <a:blip xmlns:r="http://schemas.openxmlformats.org/officeDocument/2006/relationships" xmlns:a="http://schemas.openxmlformats.org/drawingml/2006/main" r:embed="Rd9f8dc473c194338"/>
+          <a:stretch xmlns:a="http://schemas.openxmlformats.org/drawingml/2006/main">
+            <a:fillRect/>
+          </a:stretch>
+        </p:blipFill>
+        <p:spPr>
+          <a:xfrm xmlns:a="http://schemas.openxmlformats.org/drawingml/2006/main">
+            <a:off x="2514400" y="1314000"/>
+            <a:ext cx="3000000" cy="3000000"/>
+          </a:xfrm>
+          <a:prstGeom xmlns:a="http://schemas.openxmlformats.org/drawingml/2006/main" prst="rect">
+            <a:avLst/>
+          </a:prstGeom>
+        </p:spPr>
+      </p:pic>
+      <p:sp>
+        <p:nvSpPr>
+          <p:cNvPr id="101" name="TextBox 101"/>
+          <p:cNvSpPr>
+            <a:spLocks xmlns:a="http://schemas.openxmlformats.org/drawingml/2006/main" noGrp="1"/>
+          </p:cNvSpPr>
+          <p:nvPr/>
+        </p:nvSpPr>
+        <p:spPr>
+          <a:xfrm xmlns:a="http://schemas.openxmlformats.org/drawingml/2006/main">
+            <a:off x="914400" y="5314000"/>
+            <a:ext cx="6000000" cy="350000"/>
+          </a:xfrm>
+          <a:prstGeom xmlns:a="http://schemas.openxmlformats.org/drawingml/2006/main" prst="rect">
+            <a:avLst/>
+          </a:prstGeom>
+        </p:spPr>
+        <p:txBody>
+          <a:bodyPr xmlns:a="http://schemas.openxmlformats.org/drawingml/2006/main"/>
+          <a:lstStyle xmlns:a="http://schemas.openxmlformats.org/drawingml/2006/main"/>
+          <a:p xmlns:a="http://schemas.openxmlformats.org/drawingml/2006/main">
+            <a:pPr algn="ctr"/>
+            <a:r>
+              <a:rPr sz="1400" b="1">
+                <a:latin typeface="Calibri"/>
+              </a:rPr>
+              <a:t>Biasing and Operation</a:t>
+            </a:r>
+          </a:p>
+        </p:txBody>
+      </p:sp>
+      <p:sp>
+        <p:nvSpPr>
+          <p:cNvPr id="102" name="TextBox 102"/>
+          <p:cNvSpPr>
+            <a:spLocks xmlns:a="http://schemas.openxmlformats.org/drawingml/2006/main" noGrp="1"/>
+          </p:cNvSpPr>
+          <p:nvPr/>
+        </p:nvSpPr>
+        <p:spPr>
+          <a:xfrm xmlns:a="http://schemas.openxmlformats.org/drawingml/2006/main">
+            <a:off x="914400" y="5664800"/>
+            <a:ext cx="6000000" cy="1850000"/>
+          </a:xfrm>
+          <a:prstGeom xmlns:a="http://schemas.openxmlformats.org/drawingml/2006/main" prst="rect">
+            <a:avLst/>
+          </a:prstGeom>
+        </p:spPr>
+        <p:txBody>
+          <a:bodyPr xmlns:a="http://schemas.openxmlformats.org/drawingml/2006/main"/>
+          <a:lstStyle xmlns:a="http://schemas.openxmlformats.org/drawingml/2006/main"/>
+          <a:p xmlns:a="http://schemas.openxmlformats.org/drawingml/2006/main">
+            <a:pPr algn="l"/>
+            <a:r>
+              <a:rPr sz="1200">
+                <a:latin typeface="Calibri"/>
+              </a:rPr>
+              <a:t>Turn ON procedure:</a:t>
+            </a:r>
+          </a:p>
+          <a:p xmlns:a="http://schemas.openxmlformats.org/drawingml/2006/main">
+            <a:pPr indent="-180000" algn="l"/>
+            <a:r>
+              <a:rPr sz="1200">
+                <a:latin typeface="Calibri"/>
+              </a:rPr>
+              <a:t>1.    Connect GND to RF and dc ground.</a:t>
+            </a:r>
+          </a:p>
+          <a:p xmlns:a="http://schemas.openxmlformats.org/drawingml/2006/main">
+            <a:pPr indent="-180000" algn="l"/>
+            <a:r>
+              <a:rPr sz="1200">
+                <a:latin typeface="Calibri"/>
+              </a:rPr>
+              <a:t>2.    Set the gate bias voltages VG to -2V.</a:t>
+            </a:r>
+          </a:p>
+          <a:p xmlns:a="http://schemas.openxmlformats.org/drawingml/2006/main">
+            <a:pPr indent="-180000" algn="l"/>
+            <a:r>
+              <a:rPr sz="1200">
+                <a:latin typeface="Calibri"/>
+              </a:rPr>
+              <a:t>3.    Set the drain bias voltages VD to +4V.</a:t>
+            </a:r>
+          </a:p>
+          <a:p xmlns:a="http://schemas.openxmlformats.org/drawingml/2006/main">
+            <a:pPr indent="-180000" algn="l"/>
+            <a:r>
+              <a:rPr sz="1200">
+                <a:latin typeface="Calibri"/>
+              </a:rPr>
+              <a:t>4.    Increase the gate bias voltages to achieve a quiescent supply current of 82 mA.</a:t>
+            </a:r>
+          </a:p>
+          <a:p xmlns:a="http://schemas.openxmlformats.org/drawingml/2006/main">
+            <a:pPr indent="-180000" algn="l"/>
+            <a:r>
+              <a:rPr sz="1200">
+                <a:latin typeface="Calibri"/>
+              </a:rPr>
+              <a:t>5.    Apply RF signal.
+</a:t>
+            </a:r>
+          </a:p>
+          <a:p xmlns:a="http://schemas.openxmlformats.org/drawingml/2006/main">
+            <a:pPr indent="-180000" algn="l"/>
+            <a:r>
+              <a:rPr sz="1200">
+                <a:latin typeface="Calibri"/>
+              </a:rPr>
+              <a:t>Turn OFF procedure:</a:t>
+            </a:r>
+          </a:p>
+          <a:p xmlns:a="http://schemas.openxmlformats.org/drawingml/2006/main">
+            <a:pPr indent="-180000" algn="l"/>
+            <a:r>
+              <a:rPr sz="1200">
+                <a:latin typeface="Calibri"/>
+              </a:rPr>
+              <a:t>1.    Turn off the RF signal.</a:t>
+            </a:r>
+          </a:p>
+          <a:p xmlns:a="http://schemas.openxmlformats.org/drawingml/2006/main">
+            <a:pPr indent="-180000" algn="l"/>
+            <a:r>
+              <a:rPr sz="1200">
+                <a:latin typeface="Calibri"/>
+              </a:rPr>
+              <a:t>2.    Decrease the gate bias voltages, VG to -2V to achieve a IDQ = 0 mA (approximately).</a:t>
+            </a:r>
+          </a:p>
+          <a:p xmlns:a="http://schemas.openxmlformats.org/drawingml/2006/main">
+            <a:pPr indent="-180000" algn="l"/>
+            <a:r>
+              <a:rPr sz="1200">
+                <a:latin typeface="Calibri"/>
+              </a:rPr>
+              <a:t>3.    Decrease the drain bias voltages to 0 V.</a:t>
+            </a:r>
+          </a:p>
+          <a:p xmlns:a="http://schemas.openxmlformats.org/drawingml/2006/main">
+            <a:pPr indent="-180000" algn="l"/>
+            <a:r>
+              <a:rPr sz="1200">
+                <a:latin typeface="Calibri"/>
+              </a:rPr>
+              <a:t>4.    Increase the all gate bias voltages to 0 V.</a:t>
+            </a:r>
+          </a:p>
+        </p:txBody>
+      </p:sp>
+    </p:spTree>
+  </p:cSld>
+  <p:clrMapOvr>
+    <a:masterClrMapping xmlns:a="http://schemas.openxmlformats.org/drawingml/2006/main"/>
+  </p:clrMapOvr>
+</p:sld>
+</file>
+
+<file path=ppt/slides/slide11.xml><?xml version="1.0" encoding="utf-8"?>
+<p:sld xmlns:p="http://schemas.openxmlformats.org/presentationml/2006/main">
+  <p:cSld name="Blank">
+    <p:spTree>
+      <p:nvGrpSpPr>
+        <p:cNvPr id="1" name=""/>
+        <p:cNvGrpSpPr/>
+        <p:nvPr/>
+      </p:nvGrpSpPr>
+      <p:grpSpPr>
+        <a:xfrm xmlns:a="http://schemas.openxmlformats.org/drawingml/2006/main">
+          <a:off x="0" y="0"/>
+          <a:ext cx="0" cy="0"/>
+          <a:chOff x="0" y="0"/>
+          <a:chExt cx="0" cy="0"/>
+        </a:xfrm>
+      </p:grpSpPr>
+      <p:sp>
+        <p:nvSpPr>
+          <p:cNvPr id="2" name="TextBox 2"/>
+          <p:cNvSpPr>
+            <a:spLocks xmlns:a="http://schemas.openxmlformats.org/drawingml/2006/main" noGrp="1"/>
+          </p:cNvSpPr>
+          <p:nvPr/>
+        </p:nvSpPr>
+        <p:spPr>
+          <a:xfrm xmlns:a="http://schemas.openxmlformats.org/drawingml/2006/main">
+            <a:off x="914400" y="1314000"/>
+            <a:ext cx="6000000" cy="350000"/>
+          </a:xfrm>
+          <a:prstGeom xmlns:a="http://schemas.openxmlformats.org/drawingml/2006/main" prst="rect">
+            <a:avLst/>
+          </a:prstGeom>
+        </p:spPr>
+        <p:txBody>
+          <a:bodyPr xmlns:a="http://schemas.openxmlformats.org/drawingml/2006/main"/>
+          <a:lstStyle xmlns:a="http://schemas.openxmlformats.org/drawingml/2006/main"/>
+          <a:p xmlns:a="http://schemas.openxmlformats.org/drawingml/2006/main">
+            <a:pPr algn="ctr"/>
+            <a:r>
+              <a:rPr sz="1400" b="1" u="sng">
+                <a:latin typeface="Calibri"/>
+              </a:rPr>
+              <a:t>Mounting &amp; Bonding Techniques for MMICs</a:t>
+            </a:r>
+          </a:p>
+        </p:txBody>
+      </p:sp>
+      <p:pic>
+        <p:nvPicPr>
+          <p:cNvPr id="100" name="芯片安装图.png"/>
+          <p:cNvPicPr>
+            <a:picLocks xmlns:a="http://schemas.openxmlformats.org/drawingml/2006/main" noChangeAspect="1"/>
+          </p:cNvPicPr>
+          <p:nvPr/>
+        </p:nvPicPr>
+        <p:blipFill>
+          <a:blip xmlns:r="http://schemas.openxmlformats.org/officeDocument/2006/relationships" xmlns:a="http://schemas.openxmlformats.org/drawingml/2006/main" r:embed="Rdabb875809944d71"/>
+          <a:stretch xmlns:a="http://schemas.openxmlformats.org/drawingml/2006/main">
+            <a:fillRect/>
+          </a:stretch>
+        </p:blipFill>
+        <p:spPr>
+          <a:xfrm xmlns:a="http://schemas.openxmlformats.org/drawingml/2006/main">
+            <a:off x="1514400" y="1714000"/>
+            <a:ext cx="5000000" cy="1500000"/>
+          </a:xfrm>
+          <a:prstGeom xmlns:a="http://schemas.openxmlformats.org/drawingml/2006/main" prst="rect">
+            <a:avLst/>
+          </a:prstGeom>
+        </p:spPr>
+      </p:pic>
+      <p:sp>
+        <p:nvSpPr>
+          <p:cNvPr id="101" name="TextBox 101"/>
+          <p:cNvSpPr>
+            <a:spLocks xmlns:a="http://schemas.openxmlformats.org/drawingml/2006/main" noGrp="1"/>
+          </p:cNvSpPr>
+          <p:nvPr/>
+        </p:nvSpPr>
+        <p:spPr>
+          <a:xfrm xmlns:a="http://schemas.openxmlformats.org/drawingml/2006/main">
+            <a:off x="914400" y="3614000"/>
+            <a:ext cx="6000000" cy="2600000"/>
+          </a:xfrm>
+          <a:prstGeom xmlns:a="http://schemas.openxmlformats.org/drawingml/2006/main" prst="rect">
+            <a:avLst/>
+          </a:prstGeom>
+        </p:spPr>
+        <p:txBody>
+          <a:bodyPr xmlns:a="http://schemas.openxmlformats.org/drawingml/2006/main"/>
+          <a:lstStyle xmlns:a="http://schemas.openxmlformats.org/drawingml/2006/main"/>
+          <a:p xmlns:a="http://schemas.openxmlformats.org/drawingml/2006/main">
+            <a:pPr algn="l"/>
+            <a:r>
+              <a:rPr sz="1100" b="1">
+                <a:latin typeface="Calibri"/>
+              </a:rPr>
+              <a:t>Direct Mounting</a:t>
+            </a:r>
+          </a:p>
+          <a:p xmlns:a="http://schemas.openxmlformats.org/drawingml/2006/main">
+            <a:pPr indent="-180000" algn="l"/>
+            <a:r>
+              <a:rPr sz="1100" b="0">
+                <a:latin typeface="Calibri"/>
+              </a:rPr>
+              <a:t>1.Typically, the die is mounted directly on the ground plane.</a:t>
+            </a:r>
+          </a:p>
+          <a:p xmlns:a="http://schemas.openxmlformats.org/drawingml/2006/main">
+            <a:pPr indent="-180000" algn="l"/>
+            <a:r>
+              <a:rPr sz="1100" b="0">
+                <a:latin typeface="Calibri"/>
+              </a:rPr>
+              <a:t>2.If the thickness difference between the substrate (thickness c) and the die (thickness d) exceeds 0.05 mm (i.e., c – d &gt; 0.05 mm), it is recommended to first mount the die on a heat spreader, then attach the heat spreader to the ground plane.</a:t>
+            </a:r>
+          </a:p>
+          <a:p xmlns:a="http://schemas.openxmlformats.org/drawingml/2006/main">
+            <a:pPr indent="-180000" algn="l"/>
+            <a:r>
+              <a:rPr sz="1100" b="0">
+                <a:latin typeface="Calibri"/>
+              </a:rPr>
+              <a:t>3.Heat Spreader Material: Molybdenum-copper (MoCu) alloy is commonly used.</a:t>
+            </a:r>
+          </a:p>
+          <a:p xmlns:a="http://schemas.openxmlformats.org/drawingml/2006/main">
+            <a:pPr indent="-180000" algn="l"/>
+            <a:r>
+              <a:rPr sz="1100" b="0">
+                <a:latin typeface="Calibri"/>
+              </a:rPr>
+              <a:t>4.Heat Sink Thickness (b): Should be within the range of (c – d – 0.05 mm) to (c –d + 0.05 mm).</a:t>
+            </a:r>
+          </a:p>
+          <a:p xmlns:a="http://schemas.openxmlformats.org/drawingml/2006/main">
+            <a:pPr indent="-180000" algn="l"/>
+            <a:r>
+              <a:rPr sz="1100" b="0">
+                <a:latin typeface="Calibri"/>
+              </a:rPr>
+              <a:t>5.Spacing (a): The gap between the bare die and the 50Ω transmission line should typically be 0.05 mm to 0.1 mm. If the application frequency is higher than 40GHz, then this gap is recommended to be 0.05mm</a:t>
+            </a:r>
+          </a:p>
+          <a:p xmlns:a="http://schemas.openxmlformats.org/drawingml/2006/main">
+            <a:pPr indent="-180000" algn="l"/>
+            <a:r>
+              <a:rPr sz="1100" b="1">
+                <a:latin typeface="Calibri"/>
+              </a:rPr>
+              <a:t> Wire Bonding Interconnection</a:t>
+            </a:r>
+          </a:p>
+          <a:p xmlns:a="http://schemas.openxmlformats.org/drawingml/2006/main">
+            <a:pPr indent="-180000" algn="l"/>
+            <a:r>
+              <a:rPr sz="1100" b="0">
+                <a:latin typeface="Calibri"/>
+              </a:rPr>
+              <a:t>The connection between the die and the 50Ω transmission line is usually made using 25 μm diameter gold (Au) wires, bonded via wedge bonding or ball bonding processes.</a:t>
+            </a:r>
+          </a:p>
+          <a:p xmlns:a="http://schemas.openxmlformats.org/drawingml/2006/main">
+            <a:pPr indent="-180000" algn="l"/>
+            <a:r>
+              <a:rPr sz="1100" b="1">
+                <a:latin typeface="Calibri"/>
+              </a:rPr>
+              <a:t>Die Attachment Methods</a:t>
+            </a:r>
+          </a:p>
+          <a:p xmlns:a="http://schemas.openxmlformats.org/drawingml/2006/main">
+            <a:pPr indent="-180000" algn="l"/>
+            <a:r>
+              <a:rPr sz="1100" b="1">
+                <a:latin typeface="Calibri"/>
+              </a:rPr>
+              <a:t>1.Conductive Epoxy:</a:t>
+            </a:r>
+          </a:p>
+          <a:p xmlns:a="http://schemas.openxmlformats.org/drawingml/2006/main">
+            <a:pPr indent="-180000" algn="l"/>
+            <a:r>
+              <a:rPr sz="1100" b="0">
+                <a:latin typeface="Calibri"/>
+              </a:rPr>
+              <a:t>After adhesive application, cure according to the manufacturer’s recommended temperature profile.</a:t>
+            </a:r>
+          </a:p>
+          <a:p xmlns:a="http://schemas.openxmlformats.org/drawingml/2006/main">
+            <a:pPr indent="-180000" algn="l"/>
+            <a:r>
+              <a:rPr sz="1100" b="1">
+                <a:latin typeface="Calibri"/>
+              </a:rPr>
+              <a:t>2.Au-Sn80/20 Eutectic Bonding:</a:t>
+            </a:r>
+          </a:p>
+          <a:p xmlns:a="http://schemas.openxmlformats.org/drawingml/2006/main">
+            <a:pPr indent="-180000" algn="l"/>
+            <a:r>
+              <a:rPr sz="1100" b="0">
+                <a:latin typeface="Calibri"/>
+              </a:rPr>
+              <a:t>Use preformed Au-Sn80/20 solder preforms.</a:t>
+            </a:r>
+          </a:p>
+          <a:p xmlns:a="http://schemas.openxmlformats.org/drawingml/2006/main">
+            <a:pPr indent="-180000" algn="l"/>
+            <a:r>
+              <a:rPr sz="1100" b="0">
+                <a:latin typeface="Calibri"/>
+              </a:rPr>
+              <a:t>Perform bonding in an inert atmosphere (N₂ or forming gas: 90% N₂ + 10% H₂).</a:t>
+            </a:r>
+          </a:p>
+          <a:p xmlns:a="http://schemas.openxmlformats.org/drawingml/2006/main">
+            <a:pPr indent="-180000" algn="l"/>
+            <a:r>
+              <a:rPr sz="1100" b="0">
+                <a:latin typeface="Calibri"/>
+              </a:rPr>
+              <a:t>Keep the time above 320℃ to less than 20 seconds to prevent excessive intermetallic formation.</a:t>
+            </a:r>
+          </a:p>
+          <a:p xmlns:a="http://schemas.openxmlformats.org/drawingml/2006/main">
+            <a:pPr indent="-180000" algn="l"/>
+            <a:r>
+              <a:rPr sz="1100" b="0">
+                <a:latin typeface="Calibri"/>
+              </a:rPr>
+              <a:t/>
+            </a:r>
+          </a:p>
+        </p:txBody>
+      </p:sp>
+      <p:sp>
+        <p:nvSpPr>
+          <p:cNvPr id="102" name="TextBox 102"/>
+          <p:cNvSpPr>
+            <a:spLocks xmlns:a="http://schemas.openxmlformats.org/drawingml/2006/main" noGrp="1"/>
+          </p:cNvSpPr>
+          <p:nvPr/>
+        </p:nvSpPr>
+        <p:spPr>
+          <a:xfrm xmlns:a="http://schemas.openxmlformats.org/drawingml/2006/main">
+            <a:off x="914400" y="7414000"/>
+            <a:ext cx="6000000" cy="1400000"/>
+          </a:xfrm>
+          <a:prstGeom xmlns:a="http://schemas.openxmlformats.org/drawingml/2006/main" prst="rect">
+            <a:avLst/>
+          </a:prstGeom>
+        </p:spPr>
+        <p:txBody>
+          <a:bodyPr xmlns:a="http://schemas.openxmlformats.org/drawingml/2006/main"/>
+          <a:lstStyle xmlns:a="http://schemas.openxmlformats.org/drawingml/2006/main"/>
+          <a:p xmlns:a="http://schemas.openxmlformats.org/drawingml/2006/main">
+            <a:pPr algn="l"/>
+            <a:r>
+              <a:rPr sz="700" b="1">
+                <a:latin typeface="Calibri"/>
+              </a:rPr>
+              <a:t>Miller MMIC Inc. All rights reserved</a:t>
+            </a:r>
+          </a:p>
+          <a:p xmlns:a="http://schemas.openxmlformats.org/drawingml/2006/main">
+            <a:pPr indent="-180000" algn="l"/>
+            <a:r>
+              <a:rPr sz="700" b="0">
+                <a:latin typeface="Calibri"/>
+              </a:rPr>
+              <a:t>Miller MMIC, Inc. holds exclusive rights to the information presented in its Data Sheet and any accompanying materials. As a premier supplier of cutting-edge RF solutions, Miller MMIC has made this information easily accessible to its clients.</a:t>
+            </a:r>
+          </a:p>
+          <a:p xmlns:a="http://schemas.openxmlformats.org/drawingml/2006/main">
+            <a:pPr indent="-180000" algn="l"/>
+            <a:r>
+              <a:rPr sz="700" b="0">
+                <a:latin typeface="Calibri"/>
+              </a:rPr>
+              <a:t/>
+            </a:r>
+          </a:p>
+          <a:p xmlns:a="http://schemas.openxmlformats.org/drawingml/2006/main">
+            <a:pPr indent="-180000" algn="l"/>
+            <a:r>
+              <a:rPr sz="700" b="0">
+                <a:latin typeface="Calibri"/>
+              </a:rPr>
+              <a:t>Although Miller MMIC believes the information provided in its Data Sheet to be trustworthy, the company does not offer any guarantees as to its accuracy. Therefore, Miller MMIC bears no responsibility for the use of this information. It is worth mentioning that the information within the Data Sheet may be altered without prior notification.</a:t>
+            </a:r>
+          </a:p>
+          <a:p xmlns:a="http://schemas.openxmlformats.org/drawingml/2006/main">
+            <a:pPr indent="-180000" algn="l"/>
+            <a:r>
+              <a:rPr sz="700" b="0">
+                <a:latin typeface="Calibri"/>
+              </a:rPr>
+              <a:t/>
+            </a:r>
+          </a:p>
+          <a:p xmlns:a="http://schemas.openxmlformats.org/drawingml/2006/main">
+            <a:pPr indent="-180000" algn="l"/>
+            <a:r>
+              <a:rPr sz="700" b="0">
+                <a:latin typeface="Calibri"/>
+              </a:rPr>
+              <a:t>Customers are encouraged to obtain and verify the most recent and pertinent information before placing any orders for Miller MMIC products. The information in the Data Sheet does not confer, either explicitly or implicitly, any rights or licenses with regards to patents or other forms of intellectual property to any third party.</a:t>
+            </a:r>
+          </a:p>
+          <a:p xmlns:a="http://schemas.openxmlformats.org/drawingml/2006/main">
+            <a:pPr indent="-180000" algn="l"/>
+            <a:r>
+              <a:rPr sz="700" b="0">
+                <a:latin typeface="Calibri"/>
+              </a:rPr>
+              <a:t/>
+            </a:r>
+          </a:p>
+          <a:p xmlns:a="http://schemas.openxmlformats.org/drawingml/2006/main">
+            <a:pPr indent="-180000" algn="l"/>
+            <a:r>
+              <a:rPr sz="700" b="0">
+                <a:latin typeface="Calibri"/>
+              </a:rPr>
+              <a:t>The information provided in the Data Sheet, or its utilization, does not bestow any patent rights, licenses, or other forms of intellectual property rights to any individual or entity, whether in regards to the information itself or anything described by such information. Furthermore, Miller MMIC products are not intended for use as critical components in applications where failure could result in severe injury or death, such as medical or life-saving equipment, or life-sustaining applications, or in any situation where failure could cause serious personal injury or death.</a:t>
+            </a:r>
+          </a:p>
+        </p:txBody>
+      </p:sp>
+    </p:spTree>
+  </p:cSld>
+  <p:clrMapOvr>
+    <a:masterClrMapping xmlns:a="http://schemas.openxmlformats.org/drawingml/2006/main"/>
   </p:clrMapOvr>
 </p:sld>
 </file>
@@ -6755,7 +7303,7 @@
           <p:nvPr/>
         </p:nvPicPr>
         <p:blipFill>
-          <a:blip xmlns:r="http://schemas.openxmlformats.org/officeDocument/2006/relationships" xmlns:a="http://schemas.openxmlformats.org/drawingml/2006/main" r:embed="Rbaf5b6a569914e4c"/>
+          <a:blip xmlns:r="http://schemas.openxmlformats.org/officeDocument/2006/relationships" xmlns:a="http://schemas.openxmlformats.org/drawingml/2006/main" r:embed="R0c2b6a43c4ad485e"/>
           <a:stretch xmlns:a="http://schemas.openxmlformats.org/drawingml/2006/main">
             <a:fillRect/>
           </a:stretch>
@@ -6805,7 +7353,7 @@
               <a:rPr sz="1200" b="1" u="sng">
                 <a:latin typeface="Calibri"/>
               </a:rPr>
-              <a:t>TA = +25℃</a:t>
+              <a:t>VD=4V,ID=67mA</a:t>
             </a:r>
           </a:p>
         </p:txBody>
@@ -6819,7 +7367,7 @@
           <p:nvPr/>
         </p:nvPicPr>
         <p:blipFill>
-          <a:blip xmlns:r="http://schemas.openxmlformats.org/officeDocument/2006/relationships" xmlns:a="http://schemas.openxmlformats.org/drawingml/2006/main" r:embed="Rd767cfc79fd0450a"/>
+          <a:blip xmlns:r="http://schemas.openxmlformats.org/officeDocument/2006/relationships" xmlns:a="http://schemas.openxmlformats.org/drawingml/2006/main" r:embed="Rce94b0ded2ad4b70"/>
           <a:stretch xmlns:a="http://schemas.openxmlformats.org/drawingml/2006/main">
             <a:fillRect/>
           </a:stretch>
@@ -6843,7 +7391,7 @@
           <p:nvPr/>
         </p:nvPicPr>
         <p:blipFill>
-          <a:blip xmlns:r="http://schemas.openxmlformats.org/officeDocument/2006/relationships" xmlns:a="http://schemas.openxmlformats.org/drawingml/2006/main" r:embed="Rb5ac0f8d70674afb"/>
+          <a:blip xmlns:r="http://schemas.openxmlformats.org/officeDocument/2006/relationships" xmlns:a="http://schemas.openxmlformats.org/drawingml/2006/main" r:embed="R01b525d784ea4b62"/>
           <a:stretch xmlns:a="http://schemas.openxmlformats.org/drawingml/2006/main">
             <a:fillRect/>
           </a:stretch>
@@ -6867,7 +7415,7 @@
           <p:nvPr/>
         </p:nvPicPr>
         <p:blipFill>
-          <a:blip xmlns:r="http://schemas.openxmlformats.org/officeDocument/2006/relationships" xmlns:a="http://schemas.openxmlformats.org/drawingml/2006/main" r:embed="Rf11e4e67d7e643fc"/>
+          <a:blip xmlns:r="http://schemas.openxmlformats.org/officeDocument/2006/relationships" xmlns:a="http://schemas.openxmlformats.org/drawingml/2006/main" r:embed="R137f3bc168544e66"/>
           <a:stretch xmlns:a="http://schemas.openxmlformats.org/drawingml/2006/main">
             <a:fillRect/>
           </a:stretch>
@@ -6891,7 +7439,585 @@
           <p:nvPr/>
         </p:nvPicPr>
         <p:blipFill>
-          <a:blip xmlns:r="http://schemas.openxmlformats.org/officeDocument/2006/relationships" xmlns:a="http://schemas.openxmlformats.org/drawingml/2006/main" r:embed="Re615a3cdb5de4c78"/>
+          <a:blip xmlns:r="http://schemas.openxmlformats.org/officeDocument/2006/relationships" xmlns:a="http://schemas.openxmlformats.org/drawingml/2006/main" r:embed="R1508b1cd60ab4172"/>
+          <a:stretch xmlns:a="http://schemas.openxmlformats.org/drawingml/2006/main">
+            <a:fillRect/>
+          </a:stretch>
+        </p:blipFill>
+        <p:spPr>
+          <a:xfrm xmlns:a="http://schemas.openxmlformats.org/drawingml/2006/main">
+            <a:off x="914400" y="7014000"/>
+            <a:ext cx="2500000" cy="2000000"/>
+          </a:xfrm>
+          <a:prstGeom xmlns:a="http://schemas.openxmlformats.org/drawingml/2006/main" prst="rect">
+            <a:avLst/>
+          </a:prstGeom>
+        </p:spPr>
+      </p:pic>
+      <p:sp>
+        <p:nvSpPr>
+          <p:cNvPr id="102" name="TextBox 102"/>
+          <p:cNvSpPr>
+            <a:spLocks xmlns:a="http://schemas.openxmlformats.org/drawingml/2006/main" noGrp="1"/>
+          </p:cNvSpPr>
+          <p:nvPr/>
+        </p:nvSpPr>
+        <p:spPr>
+          <a:xfrm xmlns:a="http://schemas.openxmlformats.org/drawingml/2006/main">
+            <a:off x="914400" y="6514000"/>
+            <a:ext cx="5000000" cy="500000"/>
+          </a:xfrm>
+          <a:prstGeom xmlns:a="http://schemas.openxmlformats.org/drawingml/2006/main" prst="rect">
+            <a:avLst/>
+          </a:prstGeom>
+        </p:spPr>
+        <p:txBody>
+          <a:bodyPr xmlns:a="http://schemas.openxmlformats.org/drawingml/2006/main"/>
+          <a:lstStyle xmlns:a="http://schemas.openxmlformats.org/drawingml/2006/main"/>
+          <a:p xmlns:a="http://schemas.openxmlformats.org/drawingml/2006/main">
+            <a:pPr algn="ctr"/>
+            <a:r>
+              <a:rPr sz="1200" b="1" u="sng">
+                <a:latin typeface="Calibri"/>
+              </a:rPr>
+              <a:t>Measurement Plots: S-parameters</a:t>
+            </a:r>
+          </a:p>
+          <a:p xmlns:a="http://schemas.openxmlformats.org/drawingml/2006/main">
+            <a:pPr indent="-180000" algn="ctr"/>
+            <a:r>
+              <a:rPr sz="1200" b="1" u="sng">
+                <a:latin typeface="Calibri"/>
+              </a:rPr>
+              <a:t>TA = +25℃</a:t>
+            </a:r>
+          </a:p>
+        </p:txBody>
+      </p:sp>
+      <p:pic>
+        <p:nvPicPr>
+          <p:cNvPr id="100" name="5.png"/>
+          <p:cNvPicPr>
+            <a:picLocks xmlns:a="http://schemas.openxmlformats.org/drawingml/2006/main" noChangeAspect="1"/>
+          </p:cNvPicPr>
+          <p:nvPr/>
+        </p:nvPicPr>
+        <p:blipFill>
+          <a:blip xmlns:r="http://schemas.openxmlformats.org/officeDocument/2006/relationships" xmlns:a="http://schemas.openxmlformats.org/drawingml/2006/main" r:embed="R90acbd51aae5447f"/>
+          <a:stretch xmlns:a="http://schemas.openxmlformats.org/drawingml/2006/main">
+            <a:fillRect/>
+          </a:stretch>
+        </p:blipFill>
+        <p:spPr>
+          <a:xfrm xmlns:a="http://schemas.openxmlformats.org/drawingml/2006/main">
+            <a:off x="4114400" y="7014000"/>
+            <a:ext cx="2500000" cy="2000000"/>
+          </a:xfrm>
+          <a:prstGeom xmlns:a="http://schemas.openxmlformats.org/drawingml/2006/main" prst="rect">
+            <a:avLst/>
+          </a:prstGeom>
+        </p:spPr>
+      </p:pic>
+    </p:spTree>
+  </p:cSld>
+  <p:clrMapOvr>
+    <a:masterClrMapping xmlns:a="http://schemas.openxmlformats.org/drawingml/2006/main"/>
+  </p:clrMapOvr>
+</p:sld>
+</file>
+
+<file path=ppt/slides/slide3.xml><?xml version="1.0" encoding="utf-8"?>
+<p:sld xmlns:p="http://schemas.openxmlformats.org/presentationml/2006/main">
+  <p:cSld name="Blank">
+    <p:spTree>
+      <p:nvGrpSpPr>
+        <p:cNvPr id="1" name=""/>
+        <p:cNvGrpSpPr/>
+        <p:nvPr/>
+      </p:nvGrpSpPr>
+      <p:grpSpPr>
+        <a:xfrm xmlns:a="http://schemas.openxmlformats.org/drawingml/2006/main">
+          <a:off x="0" y="0"/>
+          <a:ext cx="0" cy="0"/>
+          <a:chOff x="0" y="0"/>
+          <a:chExt cx="0" cy="0"/>
+        </a:xfrm>
+      </p:grpSpPr>
+      <p:pic>
+        <p:nvPicPr>
+          <p:cNvPr id="100" name="6.png"/>
+          <p:cNvPicPr>
+            <a:picLocks xmlns:a="http://schemas.openxmlformats.org/drawingml/2006/main" noChangeAspect="1"/>
+          </p:cNvPicPr>
+          <p:nvPr/>
+        </p:nvPicPr>
+        <p:blipFill>
+          <a:blip xmlns:r="http://schemas.openxmlformats.org/officeDocument/2006/relationships" xmlns:a="http://schemas.openxmlformats.org/drawingml/2006/main" r:embed="Ra3b0a755afbe4cbe"/>
+          <a:stretch xmlns:a="http://schemas.openxmlformats.org/drawingml/2006/main">
+            <a:fillRect/>
+          </a:stretch>
+        </p:blipFill>
+        <p:spPr>
+          <a:xfrm xmlns:a="http://schemas.openxmlformats.org/drawingml/2006/main">
+            <a:off x="914400" y="1814000"/>
+            <a:ext cx="2500000" cy="2000000"/>
+          </a:xfrm>
+          <a:prstGeom xmlns:a="http://schemas.openxmlformats.org/drawingml/2006/main" prst="rect">
+            <a:avLst/>
+          </a:prstGeom>
+        </p:spPr>
+      </p:pic>
+      <p:pic>
+        <p:nvPicPr>
+          <p:cNvPr id="100" name="7.png"/>
+          <p:cNvPicPr>
+            <a:picLocks xmlns:a="http://schemas.openxmlformats.org/drawingml/2006/main" noChangeAspect="1"/>
+          </p:cNvPicPr>
+          <p:nvPr/>
+        </p:nvPicPr>
+        <p:blipFill>
+          <a:blip xmlns:r="http://schemas.openxmlformats.org/officeDocument/2006/relationships" xmlns:a="http://schemas.openxmlformats.org/drawingml/2006/main" r:embed="R55431cb63beb4ec2"/>
+          <a:stretch xmlns:a="http://schemas.openxmlformats.org/drawingml/2006/main">
+            <a:fillRect/>
+          </a:stretch>
+        </p:blipFill>
+        <p:spPr>
+          <a:xfrm xmlns:a="http://schemas.openxmlformats.org/drawingml/2006/main">
+            <a:off x="4114400" y="1814000"/>
+            <a:ext cx="2500000" cy="2000000"/>
+          </a:xfrm>
+          <a:prstGeom xmlns:a="http://schemas.openxmlformats.org/drawingml/2006/main" prst="rect">
+            <a:avLst/>
+          </a:prstGeom>
+        </p:spPr>
+      </p:pic>
+      <p:pic>
+        <p:nvPicPr>
+          <p:cNvPr id="100" name="8.png"/>
+          <p:cNvPicPr>
+            <a:picLocks xmlns:a="http://schemas.openxmlformats.org/drawingml/2006/main" noChangeAspect="1"/>
+          </p:cNvPicPr>
+          <p:nvPr/>
+        </p:nvPicPr>
+        <p:blipFill>
+          <a:blip xmlns:r="http://schemas.openxmlformats.org/officeDocument/2006/relationships" xmlns:a="http://schemas.openxmlformats.org/drawingml/2006/main" r:embed="R7cc8d3dea9fa432d"/>
+          <a:stretch xmlns:a="http://schemas.openxmlformats.org/drawingml/2006/main">
+            <a:fillRect/>
+          </a:stretch>
+        </p:blipFill>
+        <p:spPr>
+          <a:xfrm xmlns:a="http://schemas.openxmlformats.org/drawingml/2006/main">
+            <a:off x="914400" y="4414000"/>
+            <a:ext cx="2500000" cy="2000000"/>
+          </a:xfrm>
+          <a:prstGeom xmlns:a="http://schemas.openxmlformats.org/drawingml/2006/main" prst="rect">
+            <a:avLst/>
+          </a:prstGeom>
+        </p:spPr>
+      </p:pic>
+      <p:sp>
+        <p:nvSpPr>
+          <p:cNvPr id="101" name="TextBox 101"/>
+          <p:cNvSpPr>
+            <a:spLocks xmlns:a="http://schemas.openxmlformats.org/drawingml/2006/main" noGrp="1"/>
+          </p:cNvSpPr>
+          <p:nvPr/>
+        </p:nvSpPr>
+        <p:spPr>
+          <a:xfrm xmlns:a="http://schemas.openxmlformats.org/drawingml/2006/main">
+            <a:off x="914400" y="3914000"/>
+            <a:ext cx="2400000" cy="500000"/>
+          </a:xfrm>
+          <a:prstGeom xmlns:a="http://schemas.openxmlformats.org/drawingml/2006/main" prst="rect">
+            <a:avLst/>
+          </a:prstGeom>
+        </p:spPr>
+        <p:txBody>
+          <a:bodyPr xmlns:a="http://schemas.openxmlformats.org/drawingml/2006/main"/>
+          <a:lstStyle xmlns:a="http://schemas.openxmlformats.org/drawingml/2006/main"/>
+          <a:p xmlns:a="http://schemas.openxmlformats.org/drawingml/2006/main">
+            <a:pPr algn="ctr"/>
+            <a:r>
+              <a:rPr sz="1200" b="1" u="sng">
+                <a:latin typeface="Calibri"/>
+              </a:rPr>
+              <a:t>Measurement Plots: P1dB</a:t>
+            </a:r>
+          </a:p>
+          <a:p xmlns:a="http://schemas.openxmlformats.org/drawingml/2006/main">
+            <a:pPr indent="-180000" algn="ctr"/>
+            <a:r>
+              <a:rPr sz="1200" b="1" u="sng">
+                <a:latin typeface="Calibri"/>
+              </a:rPr>
+              <a:t>TA = +25℃</a:t>
+            </a:r>
+          </a:p>
+        </p:txBody>
+      </p:sp>
+      <p:pic>
+        <p:nvPicPr>
+          <p:cNvPr id="100" name="9.png"/>
+          <p:cNvPicPr>
+            <a:picLocks xmlns:a="http://schemas.openxmlformats.org/drawingml/2006/main" noChangeAspect="1"/>
+          </p:cNvPicPr>
+          <p:nvPr/>
+        </p:nvPicPr>
+        <p:blipFill>
+          <a:blip xmlns:r="http://schemas.openxmlformats.org/officeDocument/2006/relationships" xmlns:a="http://schemas.openxmlformats.org/drawingml/2006/main" r:embed="R8e35cd29ebf349da"/>
+          <a:stretch xmlns:a="http://schemas.openxmlformats.org/drawingml/2006/main">
+            <a:fillRect/>
+          </a:stretch>
+        </p:blipFill>
+        <p:spPr>
+          <a:xfrm xmlns:a="http://schemas.openxmlformats.org/drawingml/2006/main">
+            <a:off x="4114400" y="4414000"/>
+            <a:ext cx="2500000" cy="2000000"/>
+          </a:xfrm>
+          <a:prstGeom xmlns:a="http://schemas.openxmlformats.org/drawingml/2006/main" prst="rect">
+            <a:avLst/>
+          </a:prstGeom>
+        </p:spPr>
+      </p:pic>
+      <p:sp>
+        <p:nvSpPr>
+          <p:cNvPr id="102" name="TextBox 102"/>
+          <p:cNvSpPr>
+            <a:spLocks xmlns:a="http://schemas.openxmlformats.org/drawingml/2006/main" noGrp="1"/>
+          </p:cNvSpPr>
+          <p:nvPr/>
+        </p:nvSpPr>
+        <p:spPr>
+          <a:xfrm xmlns:a="http://schemas.openxmlformats.org/drawingml/2006/main">
+            <a:off x="4114400" y="3914000"/>
+            <a:ext cx="2400000" cy="500000"/>
+          </a:xfrm>
+          <a:prstGeom xmlns:a="http://schemas.openxmlformats.org/drawingml/2006/main" prst="rect">
+            <a:avLst/>
+          </a:prstGeom>
+        </p:spPr>
+        <p:txBody>
+          <a:bodyPr xmlns:a="http://schemas.openxmlformats.org/drawingml/2006/main"/>
+          <a:lstStyle xmlns:a="http://schemas.openxmlformats.org/drawingml/2006/main"/>
+          <a:p xmlns:a="http://schemas.openxmlformats.org/drawingml/2006/main">
+            <a:pPr algn="ctr"/>
+            <a:r>
+              <a:rPr sz="1200" b="1" u="sng">
+                <a:latin typeface="Calibri"/>
+              </a:rPr>
+              <a:t>Measurement Plots: OIP3</a:t>
+            </a:r>
+          </a:p>
+          <a:p xmlns:a="http://schemas.openxmlformats.org/drawingml/2006/main">
+            <a:pPr indent="-180000" algn="ctr"/>
+            <a:r>
+              <a:rPr sz="1200" b="1" u="sng">
+                <a:latin typeface="Calibri"/>
+              </a:rPr>
+              <a:t>TA = +25℃</a:t>
+            </a:r>
+          </a:p>
+        </p:txBody>
+      </p:sp>
+      <p:pic>
+        <p:nvPicPr>
+          <p:cNvPr id="100" name="10.png"/>
+          <p:cNvPicPr>
+            <a:picLocks xmlns:a="http://schemas.openxmlformats.org/drawingml/2006/main" noChangeAspect="1"/>
+          </p:cNvPicPr>
+          <p:nvPr/>
+        </p:nvPicPr>
+        <p:blipFill>
+          <a:blip xmlns:r="http://schemas.openxmlformats.org/officeDocument/2006/relationships" xmlns:a="http://schemas.openxmlformats.org/drawingml/2006/main" r:embed="Reca86f7032b74b8e"/>
+          <a:stretch xmlns:a="http://schemas.openxmlformats.org/drawingml/2006/main">
+            <a:fillRect/>
+          </a:stretch>
+        </p:blipFill>
+        <p:spPr>
+          <a:xfrm xmlns:a="http://schemas.openxmlformats.org/drawingml/2006/main">
+            <a:off x="914400" y="7014000"/>
+            <a:ext cx="2500000" cy="2000000"/>
+          </a:xfrm>
+          <a:prstGeom xmlns:a="http://schemas.openxmlformats.org/drawingml/2006/main" prst="rect">
+            <a:avLst/>
+          </a:prstGeom>
+        </p:spPr>
+      </p:pic>
+      <p:sp>
+        <p:nvSpPr>
+          <p:cNvPr id="103" name="TextBox 103"/>
+          <p:cNvSpPr>
+            <a:spLocks xmlns:a="http://schemas.openxmlformats.org/drawingml/2006/main" noGrp="1"/>
+          </p:cNvSpPr>
+          <p:nvPr/>
+        </p:nvSpPr>
+        <p:spPr>
+          <a:xfrm xmlns:a="http://schemas.openxmlformats.org/drawingml/2006/main">
+            <a:off x="914400" y="6514000"/>
+            <a:ext cx="2400000" cy="500000"/>
+          </a:xfrm>
+          <a:prstGeom xmlns:a="http://schemas.openxmlformats.org/drawingml/2006/main" prst="rect">
+            <a:avLst/>
+          </a:prstGeom>
+        </p:spPr>
+        <p:txBody>
+          <a:bodyPr xmlns:a="http://schemas.openxmlformats.org/drawingml/2006/main"/>
+          <a:lstStyle xmlns:a="http://schemas.openxmlformats.org/drawingml/2006/main"/>
+          <a:p xmlns:a="http://schemas.openxmlformats.org/drawingml/2006/main">
+            <a:pPr algn="ctr"/>
+            <a:r>
+              <a:rPr sz="1200" b="1" u="sng">
+                <a:latin typeface="Calibri"/>
+              </a:rPr>
+              <a:t>Measurement Plots: Psat</a:t>
+            </a:r>
+          </a:p>
+          <a:p xmlns:a="http://schemas.openxmlformats.org/drawingml/2006/main">
+            <a:pPr indent="-180000" algn="ctr"/>
+            <a:r>
+              <a:rPr sz="1200" b="1" u="sng">
+                <a:latin typeface="Calibri"/>
+              </a:rPr>
+              <a:t>TA = +25℃</a:t>
+            </a:r>
+          </a:p>
+        </p:txBody>
+      </p:sp>
+      <p:pic>
+        <p:nvPicPr>
+          <p:cNvPr id="100" name="11.png"/>
+          <p:cNvPicPr>
+            <a:picLocks xmlns:a="http://schemas.openxmlformats.org/drawingml/2006/main" noChangeAspect="1"/>
+          </p:cNvPicPr>
+          <p:nvPr/>
+        </p:nvPicPr>
+        <p:blipFill>
+          <a:blip xmlns:r="http://schemas.openxmlformats.org/officeDocument/2006/relationships" xmlns:a="http://schemas.openxmlformats.org/drawingml/2006/main" r:embed="R18b5345c07814c6c"/>
+          <a:stretch xmlns:a="http://schemas.openxmlformats.org/drawingml/2006/main">
+            <a:fillRect/>
+          </a:stretch>
+        </p:blipFill>
+        <p:spPr>
+          <a:xfrm xmlns:a="http://schemas.openxmlformats.org/drawingml/2006/main">
+            <a:off x="4114400" y="7014000"/>
+            <a:ext cx="2500000" cy="2000000"/>
+          </a:xfrm>
+          <a:prstGeom xmlns:a="http://schemas.openxmlformats.org/drawingml/2006/main" prst="rect">
+            <a:avLst/>
+          </a:prstGeom>
+        </p:spPr>
+      </p:pic>
+      <p:sp>
+        <p:nvSpPr>
+          <p:cNvPr id="104" name="TextBox 104"/>
+          <p:cNvSpPr>
+            <a:spLocks xmlns:a="http://schemas.openxmlformats.org/drawingml/2006/main" noGrp="1"/>
+          </p:cNvSpPr>
+          <p:nvPr/>
+        </p:nvSpPr>
+        <p:spPr>
+          <a:xfrm xmlns:a="http://schemas.openxmlformats.org/drawingml/2006/main">
+            <a:off x="4114400" y="6514000"/>
+            <a:ext cx="2400000" cy="500000"/>
+          </a:xfrm>
+          <a:prstGeom xmlns:a="http://schemas.openxmlformats.org/drawingml/2006/main" prst="rect">
+            <a:avLst/>
+          </a:prstGeom>
+        </p:spPr>
+        <p:txBody>
+          <a:bodyPr xmlns:a="http://schemas.openxmlformats.org/drawingml/2006/main"/>
+          <a:lstStyle xmlns:a="http://schemas.openxmlformats.org/drawingml/2006/main"/>
+          <a:p xmlns:a="http://schemas.openxmlformats.org/drawingml/2006/main">
+            <a:pPr algn="ctr"/>
+            <a:r>
+              <a:rPr sz="1200" b="1" u="sng">
+                <a:latin typeface="Calibri"/>
+              </a:rPr>
+              <a:t>Measurement Plots: Noise Figure</a:t>
+            </a:r>
+          </a:p>
+          <a:p xmlns:a="http://schemas.openxmlformats.org/drawingml/2006/main">
+            <a:pPr indent="-180000" algn="ctr"/>
+            <a:r>
+              <a:rPr sz="1200" b="1" u="sng">
+                <a:latin typeface="Calibri"/>
+              </a:rPr>
+              <a:t>TA = +25℃</a:t>
+            </a:r>
+          </a:p>
+        </p:txBody>
+      </p:sp>
+    </p:spTree>
+  </p:cSld>
+  <p:clrMapOvr>
+    <a:masterClrMapping xmlns:a="http://schemas.openxmlformats.org/drawingml/2006/main"/>
+  </p:clrMapOvr>
+</p:sld>
+</file>
+
+<file path=ppt/slides/slide4.xml><?xml version="1.0" encoding="utf-8"?>
+<p:sld xmlns:p="http://schemas.openxmlformats.org/presentationml/2006/main">
+  <p:cSld name="Blank">
+    <p:spTree>
+      <p:nvGrpSpPr>
+        <p:cNvPr id="1" name=""/>
+        <p:cNvGrpSpPr/>
+        <p:nvPr/>
+      </p:nvGrpSpPr>
+      <p:grpSpPr>
+        <a:xfrm xmlns:a="http://schemas.openxmlformats.org/drawingml/2006/main">
+          <a:off x="0" y="0"/>
+          <a:ext cx="0" cy="0"/>
+          <a:chOff x="0" y="0"/>
+          <a:chExt cx="0" cy="0"/>
+        </a:xfrm>
+      </p:grpSpPr>
+      <p:pic>
+        <p:nvPicPr>
+          <p:cNvPr id="100" name="12.png"/>
+          <p:cNvPicPr>
+            <a:picLocks xmlns:a="http://schemas.openxmlformats.org/drawingml/2006/main" noChangeAspect="1"/>
+          </p:cNvPicPr>
+          <p:nvPr/>
+        </p:nvPicPr>
+        <p:blipFill>
+          <a:blip xmlns:r="http://schemas.openxmlformats.org/officeDocument/2006/relationships" xmlns:a="http://schemas.openxmlformats.org/drawingml/2006/main" r:embed="R2dda447e80694cb0"/>
+          <a:stretch xmlns:a="http://schemas.openxmlformats.org/drawingml/2006/main">
+            <a:fillRect/>
+          </a:stretch>
+        </p:blipFill>
+        <p:spPr>
+          <a:xfrm xmlns:a="http://schemas.openxmlformats.org/drawingml/2006/main">
+            <a:off x="914400" y="1814000"/>
+            <a:ext cx="2500000" cy="2000000"/>
+          </a:xfrm>
+          <a:prstGeom xmlns:a="http://schemas.openxmlformats.org/drawingml/2006/main" prst="rect">
+            <a:avLst/>
+          </a:prstGeom>
+        </p:spPr>
+      </p:pic>
+      <p:sp>
+        <p:nvSpPr>
+          <p:cNvPr id="101" name="TextBox 101"/>
+          <p:cNvSpPr>
+            <a:spLocks xmlns:a="http://schemas.openxmlformats.org/drawingml/2006/main" noGrp="1"/>
+          </p:cNvSpPr>
+          <p:nvPr/>
+        </p:nvSpPr>
+        <p:spPr>
+          <a:xfrm xmlns:a="http://schemas.openxmlformats.org/drawingml/2006/main">
+            <a:off x="914400" y="1314000"/>
+            <a:ext cx="5000000" cy="500000"/>
+          </a:xfrm>
+          <a:prstGeom xmlns:a="http://schemas.openxmlformats.org/drawingml/2006/main" prst="rect">
+            <a:avLst/>
+          </a:prstGeom>
+        </p:spPr>
+        <p:txBody>
+          <a:bodyPr xmlns:a="http://schemas.openxmlformats.org/drawingml/2006/main"/>
+          <a:lstStyle xmlns:a="http://schemas.openxmlformats.org/drawingml/2006/main"/>
+          <a:p xmlns:a="http://schemas.openxmlformats.org/drawingml/2006/main">
+            <a:pPr algn="ctr"/>
+            <a:r>
+              <a:rPr sz="1200" b="1" u="sng">
+                <a:latin typeface="Calibri"/>
+              </a:rPr>
+              <a:t>Measurement Plots: S-parameters</a:t>
+            </a:r>
+          </a:p>
+          <a:p xmlns:a="http://schemas.openxmlformats.org/drawingml/2006/main">
+            <a:pPr indent="-180000" algn="ctr"/>
+            <a:r>
+              <a:rPr sz="1200" b="1" u="sng">
+                <a:latin typeface="Calibri"/>
+              </a:rPr>
+              <a:t>VD=4V,ID=67mA</a:t>
+            </a:r>
+          </a:p>
+        </p:txBody>
+      </p:sp>
+      <p:pic>
+        <p:nvPicPr>
+          <p:cNvPr id="100" name="13.png"/>
+          <p:cNvPicPr>
+            <a:picLocks xmlns:a="http://schemas.openxmlformats.org/drawingml/2006/main" noChangeAspect="1"/>
+          </p:cNvPicPr>
+          <p:nvPr/>
+        </p:nvPicPr>
+        <p:blipFill>
+          <a:blip xmlns:r="http://schemas.openxmlformats.org/officeDocument/2006/relationships" xmlns:a="http://schemas.openxmlformats.org/drawingml/2006/main" r:embed="R6a8133a4d0284212"/>
+          <a:stretch xmlns:a="http://schemas.openxmlformats.org/drawingml/2006/main">
+            <a:fillRect/>
+          </a:stretch>
+        </p:blipFill>
+        <p:spPr>
+          <a:xfrm xmlns:a="http://schemas.openxmlformats.org/drawingml/2006/main">
+            <a:off x="4114400" y="1814000"/>
+            <a:ext cx="2500000" cy="2000000"/>
+          </a:xfrm>
+          <a:prstGeom xmlns:a="http://schemas.openxmlformats.org/drawingml/2006/main" prst="rect">
+            <a:avLst/>
+          </a:prstGeom>
+        </p:spPr>
+      </p:pic>
+      <p:pic>
+        <p:nvPicPr>
+          <p:cNvPr id="100" name="14.png"/>
+          <p:cNvPicPr>
+            <a:picLocks xmlns:a="http://schemas.openxmlformats.org/drawingml/2006/main" noChangeAspect="1"/>
+          </p:cNvPicPr>
+          <p:nvPr/>
+        </p:nvPicPr>
+        <p:blipFill>
+          <a:blip xmlns:r="http://schemas.openxmlformats.org/officeDocument/2006/relationships" xmlns:a="http://schemas.openxmlformats.org/drawingml/2006/main" r:embed="R88e991afca7742f1"/>
+          <a:stretch xmlns:a="http://schemas.openxmlformats.org/drawingml/2006/main">
+            <a:fillRect/>
+          </a:stretch>
+        </p:blipFill>
+        <p:spPr>
+          <a:xfrm xmlns:a="http://schemas.openxmlformats.org/drawingml/2006/main">
+            <a:off x="914400" y="4414000"/>
+            <a:ext cx="2500000" cy="2000000"/>
+          </a:xfrm>
+          <a:prstGeom xmlns:a="http://schemas.openxmlformats.org/drawingml/2006/main" prst="rect">
+            <a:avLst/>
+          </a:prstGeom>
+        </p:spPr>
+      </p:pic>
+      <p:pic>
+        <p:nvPicPr>
+          <p:cNvPr id="100" name="15.png"/>
+          <p:cNvPicPr>
+            <a:picLocks xmlns:a="http://schemas.openxmlformats.org/drawingml/2006/main" noChangeAspect="1"/>
+          </p:cNvPicPr>
+          <p:nvPr/>
+        </p:nvPicPr>
+        <p:blipFill>
+          <a:blip xmlns:r="http://schemas.openxmlformats.org/officeDocument/2006/relationships" xmlns:a="http://schemas.openxmlformats.org/drawingml/2006/main" r:embed="Reef4caa629fd431a"/>
+          <a:stretch xmlns:a="http://schemas.openxmlformats.org/drawingml/2006/main">
+            <a:fillRect/>
+          </a:stretch>
+        </p:blipFill>
+        <p:spPr>
+          <a:xfrm xmlns:a="http://schemas.openxmlformats.org/drawingml/2006/main">
+            <a:off x="4114400" y="4414000"/>
+            <a:ext cx="2500000" cy="2000000"/>
+          </a:xfrm>
+          <a:prstGeom xmlns:a="http://schemas.openxmlformats.org/drawingml/2006/main" prst="rect">
+            <a:avLst/>
+          </a:prstGeom>
+        </p:spPr>
+      </p:pic>
+      <p:pic>
+        <p:nvPicPr>
+          <p:cNvPr id="100" name="16.png"/>
+          <p:cNvPicPr>
+            <a:picLocks xmlns:a="http://schemas.openxmlformats.org/drawingml/2006/main" noChangeAspect="1"/>
+          </p:cNvPicPr>
+          <p:nvPr/>
+        </p:nvPicPr>
+        <p:blipFill>
+          <a:blip xmlns:r="http://schemas.openxmlformats.org/officeDocument/2006/relationships" xmlns:a="http://schemas.openxmlformats.org/drawingml/2006/main" r:embed="R3d8a5ce7d7ce480b"/>
           <a:stretch xmlns:a="http://schemas.openxmlformats.org/drawingml/2006/main">
             <a:fillRect/>
           </a:stretch>
@@ -6941,21 +8067,21 @@
               <a:rPr sz="1200" b="1" u="sng">
                 <a:latin typeface="Calibri"/>
               </a:rPr>
-              <a:t>TA = +25℃</a:t>
+              <a:t>VD=4V,ID=67mA</a:t>
             </a:r>
           </a:p>
         </p:txBody>
       </p:sp>
       <p:pic>
         <p:nvPicPr>
-          <p:cNvPr id="100" name="5.png"/>
+          <p:cNvPr id="100" name="17.png"/>
           <p:cNvPicPr>
             <a:picLocks xmlns:a="http://schemas.openxmlformats.org/drawingml/2006/main" noChangeAspect="1"/>
           </p:cNvPicPr>
           <p:nvPr/>
         </p:nvPicPr>
         <p:blipFill>
-          <a:blip xmlns:r="http://schemas.openxmlformats.org/officeDocument/2006/relationships" xmlns:a="http://schemas.openxmlformats.org/drawingml/2006/main" r:embed="R85237c56a0434eb1"/>
+          <a:blip xmlns:r="http://schemas.openxmlformats.org/officeDocument/2006/relationships" xmlns:a="http://schemas.openxmlformats.org/drawingml/2006/main" r:embed="R96a03c32b29e47f8"/>
           <a:stretch xmlns:a="http://schemas.openxmlformats.org/drawingml/2006/main">
             <a:fillRect/>
           </a:stretch>
@@ -7005,7 +8131,7 @@
               <a:rPr sz="1200" b="1" u="sng">
                 <a:latin typeface="Calibri"/>
               </a:rPr>
-              <a:t>TA = +25℃</a:t>
+              <a:t>VD=4V,ID=67mA</a:t>
             </a:r>
           </a:p>
         </p:txBody>
@@ -7018,7 +8144,7 @@
 </p:sld>
 </file>
 
-<file path=ppt/slides/slide3.xml><?xml version="1.0" encoding="utf-8"?>
+<file path=ppt/slides/slide5.xml><?xml version="1.0" encoding="utf-8"?>
 <p:sld xmlns:p="http://schemas.openxmlformats.org/presentationml/2006/main">
   <p:cSld name="Blank">
     <p:spTree>
@@ -7037,14 +8163,14 @@
       </p:grpSpPr>
       <p:pic>
         <p:nvPicPr>
-          <p:cNvPr id="100" name="6.png"/>
+          <p:cNvPr id="100" name="18.png"/>
           <p:cNvPicPr>
             <a:picLocks xmlns:a="http://schemas.openxmlformats.org/drawingml/2006/main" noChangeAspect="1"/>
           </p:cNvPicPr>
           <p:nvPr/>
         </p:nvPicPr>
         <p:blipFill>
-          <a:blip xmlns:r="http://schemas.openxmlformats.org/officeDocument/2006/relationships" xmlns:a="http://schemas.openxmlformats.org/drawingml/2006/main" r:embed="R3a478f919e0740eb"/>
+          <a:blip xmlns:r="http://schemas.openxmlformats.org/officeDocument/2006/relationships" xmlns:a="http://schemas.openxmlformats.org/drawingml/2006/main" r:embed="Rf429c7a1f80c4a18"/>
           <a:stretch xmlns:a="http://schemas.openxmlformats.org/drawingml/2006/main">
             <a:fillRect/>
           </a:stretch>
@@ -7094,21 +8220,21 @@
               <a:rPr sz="1200" b="1" u="sng">
                 <a:latin typeface="Calibri"/>
               </a:rPr>
-              <a:t>TA = +25℃</a:t>
+              <a:t>VD=4V,ID=67mA</a:t>
             </a:r>
           </a:p>
         </p:txBody>
       </p:sp>
       <p:pic>
         <p:nvPicPr>
-          <p:cNvPr id="100" name="7.png"/>
+          <p:cNvPr id="100" name="19.png"/>
           <p:cNvPicPr>
             <a:picLocks xmlns:a="http://schemas.openxmlformats.org/drawingml/2006/main" noChangeAspect="1"/>
           </p:cNvPicPr>
           <p:nvPr/>
         </p:nvPicPr>
         <p:blipFill>
-          <a:blip xmlns:r="http://schemas.openxmlformats.org/officeDocument/2006/relationships" xmlns:a="http://schemas.openxmlformats.org/drawingml/2006/main" r:embed="R914da06d4c5e4a40"/>
+          <a:blip xmlns:r="http://schemas.openxmlformats.org/officeDocument/2006/relationships" xmlns:a="http://schemas.openxmlformats.org/drawingml/2006/main" r:embed="R09bb726db5774012"/>
           <a:stretch xmlns:a="http://schemas.openxmlformats.org/drawingml/2006/main">
             <a:fillRect/>
           </a:stretch>
@@ -7158,21 +8284,21 @@
               <a:rPr sz="1200" b="1" u="sng">
                 <a:latin typeface="Calibri"/>
               </a:rPr>
-              <a:t>TA = +25℃</a:t>
+              <a:t>VD=4V,ID=67mA</a:t>
             </a:r>
           </a:p>
         </p:txBody>
       </p:sp>
       <p:pic>
         <p:nvPicPr>
-          <p:cNvPr id="100" name="8.png"/>
+          <p:cNvPr id="100" name="20.png"/>
           <p:cNvPicPr>
             <a:picLocks xmlns:a="http://schemas.openxmlformats.org/drawingml/2006/main" noChangeAspect="1"/>
           </p:cNvPicPr>
           <p:nvPr/>
         </p:nvPicPr>
         <p:blipFill>
-          <a:blip xmlns:r="http://schemas.openxmlformats.org/officeDocument/2006/relationships" xmlns:a="http://schemas.openxmlformats.org/drawingml/2006/main" r:embed="R51eaa2d2df4c4d65"/>
+          <a:blip xmlns:r="http://schemas.openxmlformats.org/officeDocument/2006/relationships" xmlns:a="http://schemas.openxmlformats.org/drawingml/2006/main" r:embed="Rb0f501d6108841fa"/>
           <a:stretch xmlns:a="http://schemas.openxmlformats.org/drawingml/2006/main">
             <a:fillRect/>
           </a:stretch>
@@ -7222,21 +8348,21 @@
               <a:rPr sz="1200" b="1" u="sng">
                 <a:latin typeface="Calibri"/>
               </a:rPr>
-              <a:t>VD=4V,ID=67mA</a:t>
+              <a:t>VD=5V,ID=90mA</a:t>
             </a:r>
           </a:p>
         </p:txBody>
       </p:sp>
       <p:pic>
         <p:nvPicPr>
-          <p:cNvPr id="100" name="9.png"/>
+          <p:cNvPr id="100" name="21.png"/>
           <p:cNvPicPr>
             <a:picLocks xmlns:a="http://schemas.openxmlformats.org/drawingml/2006/main" noChangeAspect="1"/>
           </p:cNvPicPr>
           <p:nvPr/>
         </p:nvPicPr>
         <p:blipFill>
-          <a:blip xmlns:r="http://schemas.openxmlformats.org/officeDocument/2006/relationships" xmlns:a="http://schemas.openxmlformats.org/drawingml/2006/main" r:embed="Rf1f66127dbf0455e"/>
+          <a:blip xmlns:r="http://schemas.openxmlformats.org/officeDocument/2006/relationships" xmlns:a="http://schemas.openxmlformats.org/drawingml/2006/main" r:embed="R727b288f6605457d"/>
           <a:stretch xmlns:a="http://schemas.openxmlformats.org/drawingml/2006/main">
             <a:fillRect/>
           </a:stretch>
@@ -7253,14 +8379,14 @@
       </p:pic>
       <p:pic>
         <p:nvPicPr>
-          <p:cNvPr id="100" name="10.png"/>
+          <p:cNvPr id="100" name="22.png"/>
           <p:cNvPicPr>
             <a:picLocks xmlns:a="http://schemas.openxmlformats.org/drawingml/2006/main" noChangeAspect="1"/>
           </p:cNvPicPr>
           <p:nvPr/>
         </p:nvPicPr>
         <p:blipFill>
-          <a:blip xmlns:r="http://schemas.openxmlformats.org/officeDocument/2006/relationships" xmlns:a="http://schemas.openxmlformats.org/drawingml/2006/main" r:embed="R466f8e0e498947a6"/>
+          <a:blip xmlns:r="http://schemas.openxmlformats.org/officeDocument/2006/relationships" xmlns:a="http://schemas.openxmlformats.org/drawingml/2006/main" r:embed="R40ca04a231914aed"/>
           <a:stretch xmlns:a="http://schemas.openxmlformats.org/drawingml/2006/main">
             <a:fillRect/>
           </a:stretch>
@@ -7277,14 +8403,14 @@
       </p:pic>
       <p:pic>
         <p:nvPicPr>
-          <p:cNvPr id="100" name="11.png"/>
+          <p:cNvPr id="100" name="23.png"/>
           <p:cNvPicPr>
             <a:picLocks xmlns:a="http://schemas.openxmlformats.org/drawingml/2006/main" noChangeAspect="1"/>
           </p:cNvPicPr>
           <p:nvPr/>
         </p:nvPicPr>
         <p:blipFill>
-          <a:blip xmlns:r="http://schemas.openxmlformats.org/officeDocument/2006/relationships" xmlns:a="http://schemas.openxmlformats.org/drawingml/2006/main" r:embed="Ra56d243983f24838"/>
+          <a:blip xmlns:r="http://schemas.openxmlformats.org/officeDocument/2006/relationships" xmlns:a="http://schemas.openxmlformats.org/drawingml/2006/main" r:embed="Rf700012a961c4ae6"/>
           <a:stretch xmlns:a="http://schemas.openxmlformats.org/drawingml/2006/main">
             <a:fillRect/>
           </a:stretch>
@@ -7307,7 +8433,7 @@
 </p:sld>
 </file>
 
-<file path=ppt/slides/slide4.xml><?xml version="1.0" encoding="utf-8"?>
+<file path=ppt/slides/slide6.xml><?xml version="1.0" encoding="utf-8"?>
 <p:sld xmlns:p="http://schemas.openxmlformats.org/presentationml/2006/main">
   <p:cSld name="Blank">
     <p:spTree>
@@ -7326,14 +8452,14 @@
       </p:grpSpPr>
       <p:pic>
         <p:nvPicPr>
-          <p:cNvPr id="100" name="12.png"/>
+          <p:cNvPr id="100" name="24.png"/>
           <p:cNvPicPr>
             <a:picLocks xmlns:a="http://schemas.openxmlformats.org/drawingml/2006/main" noChangeAspect="1"/>
           </p:cNvPicPr>
           <p:nvPr/>
         </p:nvPicPr>
         <p:blipFill>
-          <a:blip xmlns:r="http://schemas.openxmlformats.org/officeDocument/2006/relationships" xmlns:a="http://schemas.openxmlformats.org/drawingml/2006/main" r:embed="R47500fea39894176"/>
+          <a:blip xmlns:r="http://schemas.openxmlformats.org/officeDocument/2006/relationships" xmlns:a="http://schemas.openxmlformats.org/drawingml/2006/main" r:embed="R3adf547b87e14a35"/>
           <a:stretch xmlns:a="http://schemas.openxmlformats.org/drawingml/2006/main">
             <a:fillRect/>
           </a:stretch>
@@ -7383,21 +8509,21 @@
               <a:rPr sz="1200" b="1" u="sng">
                 <a:latin typeface="Calibri"/>
               </a:rPr>
-              <a:t>VD=4V,ID=67mA</a:t>
+              <a:t>VD=5V,ID=90mA</a:t>
             </a:r>
           </a:p>
         </p:txBody>
       </p:sp>
       <p:pic>
         <p:nvPicPr>
-          <p:cNvPr id="100" name="13.png"/>
+          <p:cNvPr id="100" name="25.png"/>
           <p:cNvPicPr>
             <a:picLocks xmlns:a="http://schemas.openxmlformats.org/drawingml/2006/main" noChangeAspect="1"/>
           </p:cNvPicPr>
           <p:nvPr/>
         </p:nvPicPr>
         <p:blipFill>
-          <a:blip xmlns:r="http://schemas.openxmlformats.org/officeDocument/2006/relationships" xmlns:a="http://schemas.openxmlformats.org/drawingml/2006/main" r:embed="R401046ad48d54c60"/>
+          <a:blip xmlns:r="http://schemas.openxmlformats.org/officeDocument/2006/relationships" xmlns:a="http://schemas.openxmlformats.org/drawingml/2006/main" r:embed="Rdefbc20baad443a4"/>
           <a:stretch xmlns:a="http://schemas.openxmlformats.org/drawingml/2006/main">
             <a:fillRect/>
           </a:stretch>
@@ -7447,21 +8573,21 @@
               <a:rPr sz="1200" b="1" u="sng">
                 <a:latin typeface="Calibri"/>
               </a:rPr>
-              <a:t>VD=4V,ID=67mA</a:t>
+              <a:t>VD=5V,ID=90mA</a:t>
             </a:r>
           </a:p>
         </p:txBody>
       </p:sp>
       <p:pic>
         <p:nvPicPr>
-          <p:cNvPr id="100" name="14.png"/>
+          <p:cNvPr id="100" name="26.png"/>
           <p:cNvPicPr>
             <a:picLocks xmlns:a="http://schemas.openxmlformats.org/drawingml/2006/main" noChangeAspect="1"/>
           </p:cNvPicPr>
           <p:nvPr/>
         </p:nvPicPr>
         <p:blipFill>
-          <a:blip xmlns:r="http://schemas.openxmlformats.org/officeDocument/2006/relationships" xmlns:a="http://schemas.openxmlformats.org/drawingml/2006/main" r:embed="Rac0faa3046a54305"/>
+          <a:blip xmlns:r="http://schemas.openxmlformats.org/officeDocument/2006/relationships" xmlns:a="http://schemas.openxmlformats.org/drawingml/2006/main" r:embed="R6b5a47cb0d1141eb"/>
           <a:stretch xmlns:a="http://schemas.openxmlformats.org/drawingml/2006/main">
             <a:fillRect/>
           </a:stretch>
@@ -7511,21 +8637,21 @@
               <a:rPr sz="1200" b="1" u="sng">
                 <a:latin typeface="Calibri"/>
               </a:rPr>
-              <a:t>VD=4V,ID=67mA</a:t>
+              <a:t>VD=5V,ID=90mA</a:t>
             </a:r>
           </a:p>
         </p:txBody>
       </p:sp>
       <p:pic>
         <p:nvPicPr>
-          <p:cNvPr id="100" name="15.png"/>
+          <p:cNvPr id="100" name="27.png"/>
           <p:cNvPicPr>
             <a:picLocks xmlns:a="http://schemas.openxmlformats.org/drawingml/2006/main" noChangeAspect="1"/>
           </p:cNvPicPr>
           <p:nvPr/>
         </p:nvPicPr>
         <p:blipFill>
-          <a:blip xmlns:r="http://schemas.openxmlformats.org/officeDocument/2006/relationships" xmlns:a="http://schemas.openxmlformats.org/drawingml/2006/main" r:embed="R0340fb1f6d734c2c"/>
+          <a:blip xmlns:r="http://schemas.openxmlformats.org/officeDocument/2006/relationships" xmlns:a="http://schemas.openxmlformats.org/drawingml/2006/main" r:embed="R2f7fdd118f3e4cdb"/>
           <a:stretch xmlns:a="http://schemas.openxmlformats.org/drawingml/2006/main">
             <a:fillRect/>
           </a:stretch>
@@ -7575,7 +8701,7 @@
               <a:rPr sz="1200" b="1" u="sng">
                 <a:latin typeface="Calibri"/>
               </a:rPr>
-              <a:t>VD=4V,ID=67mA</a:t>
+              <a:t>VD=5V,ID=90mA</a:t>
             </a:r>
           </a:p>
         </p:txBody>
@@ -7588,7 +8714,7 @@
 </p:sld>
 </file>
 
-<file path=ppt/slides/slide5.xml><?xml version="1.0" encoding="utf-8"?>
+<file path=ppt/slides/slide7.xml><?xml version="1.0" encoding="utf-8"?>
 <p:sld xmlns:p="http://schemas.openxmlformats.org/presentationml/2006/main">
   <p:cSld name="Blank">
     <p:spTree>
@@ -8824,7 +9950,7 @@
           <p:nvPr/>
         </p:nvPicPr>
         <p:blipFill>
-          <a:blip xmlns:r="http://schemas.openxmlformats.org/officeDocument/2006/relationships" xmlns:a="http://schemas.openxmlformats.org/drawingml/2006/main" r:embed="R6eeda84d8d6b471e"/>
+          <a:blip xmlns:r="http://schemas.openxmlformats.org/officeDocument/2006/relationships" xmlns:a="http://schemas.openxmlformats.org/drawingml/2006/main" r:embed="R25fa93ea9de548dc"/>
           <a:stretch xmlns:a="http://schemas.openxmlformats.org/drawingml/2006/main">
             <a:fillRect/>
           </a:stretch>
@@ -8887,7 +10013,7 @@
 </p:sld>
 </file>
 
-<file path=ppt/slides/slide6.xml><?xml version="1.0" encoding="utf-8"?>
+<file path=ppt/slides/slide8.xml><?xml version="1.0" encoding="utf-8"?>
 <p:sld xmlns:p="http://schemas.openxmlformats.org/presentationml/2006/main">
   <p:cSld name="Blank">
     <p:spTree>
@@ -8953,7 +10079,7 @@
           <p:nvPr/>
         </p:nvPicPr>
         <p:blipFill>
-          <a:blip xmlns:r="http://schemas.openxmlformats.org/officeDocument/2006/relationships" xmlns:a="http://schemas.openxmlformats.org/drawingml/2006/main" r:embed="Rcd377f6d6fa942a9"/>
+          <a:blip xmlns:r="http://schemas.openxmlformats.org/officeDocument/2006/relationships" xmlns:a="http://schemas.openxmlformats.org/drawingml/2006/main" r:embed="Rab701fc9f9304f4d"/>
           <a:stretch xmlns:a="http://schemas.openxmlformats.org/drawingml/2006/main">
             <a:fillRect/>
           </a:stretch>
@@ -9049,1505 +10175,6 @@
                 <a:latin typeface="Calibri"/>
               </a:rPr>
               <a:t>6. Backside metalization: Gold</a:t>
-            </a:r>
-          </a:p>
-        </p:txBody>
-      </p:sp>
-    </p:spTree>
-  </p:cSld>
-  <p:clrMapOvr>
-    <a:masterClrMapping xmlns:a="http://schemas.openxmlformats.org/drawingml/2006/main"/>
-  </p:clrMapOvr>
-</p:sld>
-</file>
-
-<file path=ppt/slides/slide7.xml><?xml version="1.0" encoding="utf-8"?>
-<p:sld xmlns:p="http://schemas.openxmlformats.org/presentationml/2006/main">
-  <p:cSld name="Blank">
-    <p:spTree>
-      <p:nvGrpSpPr>
-        <p:cNvPr id="1" name=""/>
-        <p:cNvGrpSpPr/>
-        <p:nvPr/>
-      </p:nvGrpSpPr>
-      <p:grpSpPr>
-        <a:xfrm xmlns:a="http://schemas.openxmlformats.org/drawingml/2006/main">
-          <a:off x="0" y="0"/>
-          <a:ext cx="0" cy="0"/>
-          <a:chOff x="0" y="0"/>
-          <a:chExt cx="0" cy="0"/>
-        </a:xfrm>
-      </p:grpSpPr>
-      <p:sp>
-        <p:nvSpPr>
-          <p:cNvPr id="2" name="TextBox 2"/>
-          <p:cNvSpPr>
-            <a:spLocks xmlns:a="http://schemas.openxmlformats.org/drawingml/2006/main" noGrp="1"/>
-          </p:cNvSpPr>
-          <p:nvPr/>
-        </p:nvSpPr>
-        <p:spPr>
-          <a:xfrm xmlns:a="http://schemas.openxmlformats.org/drawingml/2006/main">
-            <a:off x="914400" y="1314000"/>
-            <a:ext cx="6000000" cy="350000"/>
-          </a:xfrm>
-          <a:prstGeom xmlns:a="http://schemas.openxmlformats.org/drawingml/2006/main" prst="rect">
-            <a:avLst/>
-          </a:prstGeom>
-        </p:spPr>
-        <p:txBody>
-          <a:bodyPr xmlns:a="http://schemas.openxmlformats.org/drawingml/2006/main"/>
-          <a:lstStyle xmlns:a="http://schemas.openxmlformats.org/drawingml/2006/main"/>
-          <a:p xmlns:a="http://schemas.openxmlformats.org/drawingml/2006/main">
-            <a:pPr algn="ctr"/>
-            <a:r>
-              <a:rPr sz="1400" b="1" u="sng">
-                <a:latin typeface="Calibri"/>
-              </a:rPr>
-              <a:t>Assembly Drawing</a:t>
-            </a:r>
-          </a:p>
-        </p:txBody>
-      </p:sp>
-      <p:pic>
-        <p:nvPicPr>
-          <p:cNvPr id="100" name="装配图.png"/>
-          <p:cNvPicPr>
-            <a:picLocks xmlns:a="http://schemas.openxmlformats.org/drawingml/2006/main" noChangeAspect="1"/>
-          </p:cNvPicPr>
-          <p:nvPr/>
-        </p:nvPicPr>
-        <p:blipFill>
-          <a:blip xmlns:r="http://schemas.openxmlformats.org/officeDocument/2006/relationships" xmlns:a="http://schemas.openxmlformats.org/drawingml/2006/main" r:embed="Re58706ede4cc498d"/>
-          <a:stretch xmlns:a="http://schemas.openxmlformats.org/drawingml/2006/main">
-            <a:fillRect/>
-          </a:stretch>
-        </p:blipFill>
-        <p:spPr>
-          <a:xfrm xmlns:a="http://schemas.openxmlformats.org/drawingml/2006/main">
-            <a:off x="1014400" y="1664100"/>
-            <a:ext cx="5500000" cy="3500000"/>
-          </a:xfrm>
-          <a:prstGeom xmlns:a="http://schemas.openxmlformats.org/drawingml/2006/main" prst="rect">
-            <a:avLst/>
-          </a:prstGeom>
-        </p:spPr>
-      </p:pic>
-      <p:graphicFrame>
-        <p:nvGraphicFramePr>
-          <p:cNvPr id="101" name="Table 101"/>
-          <p:cNvGraphicFramePr/>
-          <p:nvPr/>
-        </p:nvGraphicFramePr>
-        <p:xfrm>
-          <a:off xmlns:a="http://schemas.openxmlformats.org/drawingml/2006/main" x="914400" y="5214100"/>
-          <a:ext xmlns:a="http://schemas.openxmlformats.org/drawingml/2006/main" cx="4500000" cy="2000000"/>
-        </p:xfrm>
-        <p:spPr/>
-        <a:graphic xmlns:a="http://schemas.openxmlformats.org/drawingml/2006/main">
-          <a:graphicData uri="http://schemas.openxmlformats.org/drawingml/2006/table">
-            <a:tbl>
-              <a:tblGrid>
-                <a:gridCol w="1285715"/>
-                <a:gridCol w="3214285"/>
-              </a:tblGrid>
-              <a:tr h="400000">
-                <a:tc>
-                  <a:txBody>
-                    <a:bodyPr anchor="ctr" anchorCtr="1"/>
-                    <a:lstStyle/>
-                    <a:p>
-                      <a:pPr algn="ctr"/>
-                      <a:r>
-                        <a:rPr sz="1000" b="1">
-                          <a:solidFill>
-                            <a:srgbClr val="FFFFFF"/>
-                          </a:solidFill>
-                          <a:latin typeface="Calibri"/>
-                        </a:rPr>
-                        <a:t>Item</a:t>
-                      </a:r>
-                      <a:endParaRPr lang="en-US"/>
-                    </a:p>
-                  </a:txBody>
-                  <a:tcPr anchor="ctr">
-                    <a:tcBdr>
-                      <a:left>
-                        <a:solidFill>
-                          <a:srgbClr val="D0D0D0"/>
-                        </a:solidFill>
-                      </a:left>
-                      <a:right>
-                        <a:solidFill>
-                          <a:srgbClr val="D0D0D0"/>
-                        </a:solidFill>
-                      </a:right>
-                      <a:top>
-                        <a:solidFill>
-                          <a:srgbClr val="D0D0D0"/>
-                        </a:solidFill>
-                      </a:top>
-                      <a:bottom>
-                        <a:solidFill>
-                          <a:srgbClr val="D0D0D0"/>
-                        </a:solidFill>
-                      </a:bottom>
-                    </a:tcBdr>
-                    <a:solidFill>
-                      <a:srgbClr val="757171"/>
-                    </a:solidFill>
-                  </a:tcPr>
-                </a:tc>
-                <a:tc>
-                  <a:txBody>
-                    <a:bodyPr anchor="ctr" anchorCtr="1"/>
-                    <a:lstStyle/>
-                    <a:p>
-                      <a:pPr algn="ctr"/>
-                      <a:r>
-                        <a:rPr sz="1000" b="1">
-                          <a:solidFill>
-                            <a:srgbClr val="FFFFFF"/>
-                          </a:solidFill>
-                          <a:latin typeface="Calibri"/>
-                        </a:rPr>
-                        <a:t>Description</a:t>
-                      </a:r>
-                      <a:endParaRPr lang="en-US"/>
-                    </a:p>
-                  </a:txBody>
-                  <a:tcPr anchor="ctr">
-                    <a:tcBdr>
-                      <a:left>
-                        <a:solidFill>
-                          <a:srgbClr val="D0D0D0"/>
-                        </a:solidFill>
-                      </a:left>
-                      <a:right>
-                        <a:solidFill>
-                          <a:srgbClr val="D0D0D0"/>
-                        </a:solidFill>
-                      </a:right>
-                      <a:top>
-                        <a:solidFill>
-                          <a:srgbClr val="D0D0D0"/>
-                        </a:solidFill>
-                      </a:top>
-                      <a:bottom>
-                        <a:solidFill>
-                          <a:srgbClr val="D0D0D0"/>
-                        </a:solidFill>
-                      </a:bottom>
-                    </a:tcBdr>
-                    <a:solidFill>
-                      <a:srgbClr val="757171"/>
-                    </a:solidFill>
-                  </a:tcPr>
-                </a:tc>
-              </a:tr>
-              <a:tr h="400000">
-                <a:tc>
-                  <a:txBody>
-                    <a:bodyPr anchor="ctr" anchorCtr="1"/>
-                    <a:lstStyle/>
-                    <a:p>
-                      <a:pPr algn="ctr"/>
-                      <a:r>
-                        <a:rPr sz="1000" b="0">
-                          <a:latin typeface="Calibri"/>
-                        </a:rPr>
-                        <a:t>C1</a:t>
-                      </a:r>
-                      <a:endParaRPr lang="en-US"/>
-                    </a:p>
-                  </a:txBody>
-                  <a:tcPr anchor="ctr">
-                    <a:tcBdr>
-                      <a:left>
-                        <a:solidFill>
-                          <a:srgbClr val="D0D0D0"/>
-                        </a:solidFill>
-                      </a:left>
-                      <a:right>
-                        <a:solidFill>
-                          <a:srgbClr val="D0D0D0"/>
-                        </a:solidFill>
-                      </a:right>
-                      <a:top>
-                        <a:solidFill>
-                          <a:srgbClr val="D0D0D0"/>
-                        </a:solidFill>
-                      </a:top>
-                      <a:bottom>
-                        <a:solidFill>
-                          <a:srgbClr val="D0D0D0"/>
-                        </a:solidFill>
-                      </a:bottom>
-                    </a:tcBdr>
-                  </a:tcPr>
-                </a:tc>
-                <a:tc>
-                  <a:txBody>
-                    <a:bodyPr anchor="ctr" anchorCtr="1"/>
-                    <a:lstStyle/>
-                    <a:p>
-                      <a:pPr algn="ctr"/>
-                      <a:r>
-                        <a:rPr sz="1000" b="0">
-                          <a:latin typeface="Calibri"/>
-                        </a:rPr>
-                        <a:t>100pF Example: Skyworks Part: SC10002430</a:t>
-                      </a:r>
-                      <a:endParaRPr lang="en-US"/>
-                    </a:p>
-                  </a:txBody>
-                  <a:tcPr anchor="ctr">
-                    <a:tcBdr>
-                      <a:left>
-                        <a:solidFill>
-                          <a:srgbClr val="D0D0D0"/>
-                        </a:solidFill>
-                      </a:left>
-                      <a:right>
-                        <a:solidFill>
-                          <a:srgbClr val="D0D0D0"/>
-                        </a:solidFill>
-                      </a:right>
-                      <a:top>
-                        <a:solidFill>
-                          <a:srgbClr val="D0D0D0"/>
-                        </a:solidFill>
-                      </a:top>
-                      <a:bottom>
-                        <a:solidFill>
-                          <a:srgbClr val="D0D0D0"/>
-                        </a:solidFill>
-                      </a:bottom>
-                    </a:tcBdr>
-                  </a:tcPr>
-                </a:tc>
-              </a:tr>
-              <a:tr h="400000">
-                <a:tc>
-                  <a:txBody>
-                    <a:bodyPr anchor="ctr" anchorCtr="1"/>
-                    <a:lstStyle/>
-                    <a:p>
-                      <a:pPr algn="ctr"/>
-                      <a:r>
-                        <a:rPr sz="1000" b="0">
-                          <a:latin typeface="Calibri"/>
-                        </a:rPr>
-                        <a:t>C2</a:t>
-                      </a:r>
-                      <a:endParaRPr lang="en-US"/>
-                    </a:p>
-                  </a:txBody>
-                  <a:tcPr anchor="ctr">
-                    <a:tcBdr>
-                      <a:left>
-                        <a:solidFill>
-                          <a:srgbClr val="D0D0D0"/>
-                        </a:solidFill>
-                      </a:left>
-                      <a:right>
-                        <a:solidFill>
-                          <a:srgbClr val="D0D0D0"/>
-                        </a:solidFill>
-                      </a:right>
-                      <a:top>
-                        <a:solidFill>
-                          <a:srgbClr val="D0D0D0"/>
-                        </a:solidFill>
-                      </a:top>
-                      <a:bottom>
-                        <a:solidFill>
-                          <a:srgbClr val="D0D0D0"/>
-                        </a:solidFill>
-                      </a:bottom>
-                    </a:tcBdr>
-                  </a:tcPr>
-                </a:tc>
-                <a:tc>
-                  <a:txBody>
-                    <a:bodyPr anchor="ctr" anchorCtr="1"/>
-                    <a:lstStyle/>
-                    <a:p>
-                      <a:pPr algn="ctr"/>
-                      <a:r>
-                        <a:rPr sz="1000" b="0">
-                          <a:latin typeface="Calibri"/>
-                        </a:rPr>
-                        <a:t>0.01μF Example: TDK Part:C1005X7R1H103K050BB (0402)</a:t>
-                      </a:r>
-                      <a:endParaRPr lang="en-US"/>
-                    </a:p>
-                  </a:txBody>
-                  <a:tcPr anchor="ctr">
-                    <a:tcBdr>
-                      <a:left>
-                        <a:solidFill>
-                          <a:srgbClr val="D0D0D0"/>
-                        </a:solidFill>
-                      </a:left>
-                      <a:right>
-                        <a:solidFill>
-                          <a:srgbClr val="D0D0D0"/>
-                        </a:solidFill>
-                      </a:right>
-                      <a:top>
-                        <a:solidFill>
-                          <a:srgbClr val="D0D0D0"/>
-                        </a:solidFill>
-                      </a:top>
-                      <a:bottom>
-                        <a:solidFill>
-                          <a:srgbClr val="D0D0D0"/>
-                        </a:solidFill>
-                      </a:bottom>
-                    </a:tcBdr>
-                  </a:tcPr>
-                </a:tc>
-              </a:tr>
-              <a:tr h="400000">
-                <a:tc>
-                  <a:txBody>
-                    <a:bodyPr anchor="ctr" anchorCtr="1"/>
-                    <a:lstStyle/>
-                    <a:p>
-                      <a:pPr algn="ctr"/>
-                      <a:r>
-                        <a:rPr sz="1000" b="0">
-                          <a:latin typeface="Calibri"/>
-                        </a:rPr>
-                        <a:t>C3</a:t>
-                      </a:r>
-                      <a:endParaRPr lang="en-US"/>
-                    </a:p>
-                  </a:txBody>
-                  <a:tcPr anchor="ctr">
-                    <a:tcBdr>
-                      <a:left>
-                        <a:solidFill>
-                          <a:srgbClr val="D0D0D0"/>
-                        </a:solidFill>
-                      </a:left>
-                      <a:right>
-                        <a:solidFill>
-                          <a:srgbClr val="D0D0D0"/>
-                        </a:solidFill>
-                      </a:right>
-                      <a:top>
-                        <a:solidFill>
-                          <a:srgbClr val="D0D0D0"/>
-                        </a:solidFill>
-                      </a:top>
-                      <a:bottom>
-                        <a:solidFill>
-                          <a:srgbClr val="D0D0D0"/>
-                        </a:solidFill>
-                      </a:bottom>
-                    </a:tcBdr>
-                  </a:tcPr>
-                </a:tc>
-                <a:tc>
-                  <a:txBody>
-                    <a:bodyPr anchor="ctr" anchorCtr="1"/>
-                    <a:lstStyle/>
-                    <a:p>
-                      <a:pPr algn="ctr"/>
-                      <a:r>
-                        <a:rPr sz="1000" b="0">
-                          <a:latin typeface="Calibri"/>
-                        </a:rPr>
-                        <a:t>0.1μF Example: TDK Part:C1005X7R1H104K050BB (0402)</a:t>
-                      </a:r>
-                      <a:endParaRPr lang="en-US"/>
-                    </a:p>
-                  </a:txBody>
-                  <a:tcPr anchor="ctr">
-                    <a:tcBdr>
-                      <a:left>
-                        <a:solidFill>
-                          <a:srgbClr val="D0D0D0"/>
-                        </a:solidFill>
-                      </a:left>
-                      <a:right>
-                        <a:solidFill>
-                          <a:srgbClr val="D0D0D0"/>
-                        </a:solidFill>
-                      </a:right>
-                      <a:top>
-                        <a:solidFill>
-                          <a:srgbClr val="D0D0D0"/>
-                        </a:solidFill>
-                      </a:top>
-                      <a:bottom>
-                        <a:solidFill>
-                          <a:srgbClr val="D0D0D0"/>
-                        </a:solidFill>
-                      </a:bottom>
-                    </a:tcBdr>
-                  </a:tcPr>
-                </a:tc>
-              </a:tr>
-              <a:tr h="400000">
-                <a:tc>
-                  <a:txBody>
-                    <a:bodyPr anchor="ctr" anchorCtr="1"/>
-                    <a:lstStyle/>
-                    <a:p>
-                      <a:pPr algn="ctr"/>
-                      <a:r>
-                        <a:rPr sz="1000" b="0">
-                          <a:latin typeface="Calibri"/>
-                        </a:rPr>
-                        <a:t>R1</a:t>
-                      </a:r>
-                      <a:endParaRPr lang="en-US"/>
-                    </a:p>
-                  </a:txBody>
-                  <a:tcPr anchor="ctr">
-                    <a:tcBdr>
-                      <a:left>
-                        <a:solidFill>
-                          <a:srgbClr val="D0D0D0"/>
-                        </a:solidFill>
-                      </a:left>
-                      <a:right>
-                        <a:solidFill>
-                          <a:srgbClr val="D0D0D0"/>
-                        </a:solidFill>
-                      </a:right>
-                      <a:top>
-                        <a:solidFill>
-                          <a:srgbClr val="D0D0D0"/>
-                        </a:solidFill>
-                      </a:top>
-                      <a:bottom>
-                        <a:solidFill>
-                          <a:srgbClr val="D0D0D0"/>
-                        </a:solidFill>
-                      </a:bottom>
-                    </a:tcBdr>
-                  </a:tcPr>
-                </a:tc>
-                <a:tc>
-                  <a:txBody>
-                    <a:bodyPr anchor="ctr" anchorCtr="1"/>
-                    <a:lstStyle/>
-                    <a:p>
-                      <a:pPr algn="ctr"/>
-                      <a:r>
-                        <a:rPr sz="1000" b="0">
-                          <a:latin typeface="Calibri"/>
-                        </a:rPr>
-                        <a:t>100Ω Example: Yageo Part:SR0402FR-7T10RL</a:t>
-                      </a:r>
-                      <a:endParaRPr lang="en-US"/>
-                    </a:p>
-                  </a:txBody>
-                  <a:tcPr anchor="ctr">
-                    <a:tcBdr>
-                      <a:left>
-                        <a:solidFill>
-                          <a:srgbClr val="D0D0D0"/>
-                        </a:solidFill>
-                      </a:left>
-                      <a:right>
-                        <a:solidFill>
-                          <a:srgbClr val="D0D0D0"/>
-                        </a:solidFill>
-                      </a:right>
-                      <a:top>
-                        <a:solidFill>
-                          <a:srgbClr val="D0D0D0"/>
-                        </a:solidFill>
-                      </a:top>
-                      <a:bottom>
-                        <a:solidFill>
-                          <a:srgbClr val="D0D0D0"/>
-                        </a:solidFill>
-                      </a:bottom>
-                    </a:tcBdr>
-                  </a:tcPr>
-                </a:tc>
-              </a:tr>
-            </a:tbl>
-          </a:graphicData>
-        </a:graphic>
-      </p:graphicFrame>
-      <p:graphicFrame>
-        <p:nvGraphicFramePr>
-          <p:cNvPr id="102" name="Table 102"/>
-          <p:cNvGraphicFramePr/>
-          <p:nvPr/>
-        </p:nvGraphicFramePr>
-        <p:xfrm>
-          <a:off xmlns:a="http://schemas.openxmlformats.org/drawingml/2006/main" x="914400" y="7315100"/>
-          <a:ext xmlns:a="http://schemas.openxmlformats.org/drawingml/2006/main" cx="6000000" cy="2000000"/>
-        </p:xfrm>
-        <p:spPr/>
-        <a:graphic xmlns:a="http://schemas.openxmlformats.org/drawingml/2006/main">
-          <a:graphicData uri="http://schemas.openxmlformats.org/drawingml/2006/table">
-            <a:tbl>
-              <a:tblGrid>
-                <a:gridCol w="857145"/>
-                <a:gridCol w="857145"/>
-                <a:gridCol w="4285710"/>
-              </a:tblGrid>
-              <a:tr h="333333">
-                <a:tc>
-                  <a:txBody>
-                    <a:bodyPr anchor="ctr" anchorCtr="1"/>
-                    <a:lstStyle/>
-                    <a:p>
-                      <a:pPr algn="ctr"/>
-                      <a:r>
-                        <a:rPr sz="1000" b="1">
-                          <a:solidFill>
-                            <a:srgbClr val="FFFFFF"/>
-                          </a:solidFill>
-                          <a:latin typeface="Calibri"/>
-                        </a:rPr>
-                        <a:t>Item</a:t>
-                      </a:r>
-                      <a:endParaRPr lang="en-US"/>
-                    </a:p>
-                  </a:txBody>
-                  <a:tcPr anchor="ctr">
-                    <a:tcBdr>
-                      <a:left>
-                        <a:solidFill>
-                          <a:srgbClr val="D0D0D0"/>
-                        </a:solidFill>
-                      </a:left>
-                      <a:right>
-                        <a:solidFill>
-                          <a:srgbClr val="D0D0D0"/>
-                        </a:solidFill>
-                      </a:right>
-                      <a:top>
-                        <a:solidFill>
-                          <a:srgbClr val="D0D0D0"/>
-                        </a:solidFill>
-                      </a:top>
-                      <a:bottom>
-                        <a:solidFill>
-                          <a:srgbClr val="D0D0D0"/>
-                        </a:solidFill>
-                      </a:bottom>
-                    </a:tcBdr>
-                    <a:solidFill>
-                      <a:srgbClr val="757171"/>
-                    </a:solidFill>
-                  </a:tcPr>
-                </a:tc>
-                <a:tc>
-                  <a:txBody>
-                    <a:bodyPr anchor="ctr" anchorCtr="1"/>
-                    <a:lstStyle/>
-                    <a:p>
-                      <a:pPr algn="ctr"/>
-                      <a:r>
-                        <a:rPr sz="1000" b="1">
-                          <a:solidFill>
-                            <a:srgbClr val="FFFFFF"/>
-                          </a:solidFill>
-                          <a:latin typeface="Calibri"/>
-                        </a:rPr>
-                        <a:t>Funciton</a:t>
-                      </a:r>
-                      <a:endParaRPr lang="en-US"/>
-                    </a:p>
-                  </a:txBody>
-                  <a:tcPr anchor="ctr">
-                    <a:tcBdr>
-                      <a:left>
-                        <a:solidFill>
-                          <a:srgbClr val="D0D0D0"/>
-                        </a:solidFill>
-                      </a:left>
-                      <a:right>
-                        <a:solidFill>
-                          <a:srgbClr val="D0D0D0"/>
-                        </a:solidFill>
-                      </a:right>
-                      <a:top>
-                        <a:solidFill>
-                          <a:srgbClr val="D0D0D0"/>
-                        </a:solidFill>
-                      </a:top>
-                      <a:bottom>
-                        <a:solidFill>
-                          <a:srgbClr val="D0D0D0"/>
-                        </a:solidFill>
-                      </a:bottom>
-                    </a:tcBdr>
-                    <a:solidFill>
-                      <a:srgbClr val="757171"/>
-                    </a:solidFill>
-                  </a:tcPr>
-                </a:tc>
-                <a:tc>
-                  <a:txBody>
-                    <a:bodyPr anchor="ctr" anchorCtr="1"/>
-                    <a:lstStyle/>
-                    <a:p>
-                      <a:pPr algn="ctr"/>
-                      <a:r>
-                        <a:rPr sz="1000" b="1">
-                          <a:solidFill>
-                            <a:srgbClr val="FFFFFF"/>
-                          </a:solidFill>
-                          <a:latin typeface="Calibri"/>
-                        </a:rPr>
-                        <a:t>Description</a:t>
-                      </a:r>
-                      <a:endParaRPr lang="en-US"/>
-                    </a:p>
-                  </a:txBody>
-                  <a:tcPr anchor="ctr">
-                    <a:tcBdr>
-                      <a:left>
-                        <a:solidFill>
-                          <a:srgbClr val="D0D0D0"/>
-                        </a:solidFill>
-                      </a:left>
-                      <a:right>
-                        <a:solidFill>
-                          <a:srgbClr val="D0D0D0"/>
-                        </a:solidFill>
-                      </a:right>
-                      <a:top>
-                        <a:solidFill>
-                          <a:srgbClr val="D0D0D0"/>
-                        </a:solidFill>
-                      </a:top>
-                      <a:bottom>
-                        <a:solidFill>
-                          <a:srgbClr val="D0D0D0"/>
-                        </a:solidFill>
-                      </a:bottom>
-                    </a:tcBdr>
-                    <a:solidFill>
-                      <a:srgbClr val="757171"/>
-                    </a:solidFill>
-                  </a:tcPr>
-                </a:tc>
-              </a:tr>
-              <a:tr h="333333">
-                <a:tc>
-                  <a:txBody>
-                    <a:bodyPr anchor="ctr" anchorCtr="1"/>
-                    <a:lstStyle/>
-                    <a:p>
-                      <a:pPr algn="ctr"/>
-                      <a:r>
-                        <a:rPr sz="1000" b="0">
-                          <a:latin typeface="Calibri"/>
-                        </a:rPr>
-                        <a:t>1</a:t>
-                      </a:r>
-                      <a:endParaRPr lang="en-US"/>
-                    </a:p>
-                  </a:txBody>
-                  <a:tcPr anchor="ctr">
-                    <a:tcBdr>
-                      <a:left>
-                        <a:solidFill>
-                          <a:srgbClr val="D0D0D0"/>
-                        </a:solidFill>
-                      </a:left>
-                      <a:right>
-                        <a:solidFill>
-                          <a:srgbClr val="D0D0D0"/>
-                        </a:solidFill>
-                      </a:right>
-                      <a:top>
-                        <a:solidFill>
-                          <a:srgbClr val="D0D0D0"/>
-                        </a:solidFill>
-                      </a:top>
-                      <a:bottom>
-                        <a:solidFill>
-                          <a:srgbClr val="D0D0D0"/>
-                        </a:solidFill>
-                      </a:bottom>
-                    </a:tcBdr>
-                  </a:tcPr>
-                </a:tc>
-                <a:tc>
-                  <a:txBody>
-                    <a:bodyPr anchor="ctr" anchorCtr="1"/>
-                    <a:lstStyle/>
-                    <a:p>
-                      <a:pPr algn="ctr"/>
-                      <a:r>
-                        <a:rPr sz="1000" b="0">
-                          <a:latin typeface="Calibri"/>
-                        </a:rPr>
-                        <a:t>RF IN</a:t>
-                      </a:r>
-                      <a:endParaRPr lang="en-US"/>
-                    </a:p>
-                  </a:txBody>
-                  <a:tcPr anchor="ctr">
-                    <a:tcBdr>
-                      <a:left>
-                        <a:solidFill>
-                          <a:srgbClr val="D0D0D0"/>
-                        </a:solidFill>
-                      </a:left>
-                      <a:right>
-                        <a:solidFill>
-                          <a:srgbClr val="D0D0D0"/>
-                        </a:solidFill>
-                      </a:right>
-                      <a:top>
-                        <a:solidFill>
-                          <a:srgbClr val="D0D0D0"/>
-                        </a:solidFill>
-                      </a:top>
-                      <a:bottom>
-                        <a:solidFill>
-                          <a:srgbClr val="D0D0D0"/>
-                        </a:solidFill>
-                      </a:bottom>
-                    </a:tcBdr>
-                  </a:tcPr>
-                </a:tc>
-                <a:tc>
-                  <a:txBody>
-                    <a:bodyPr anchor="ctr" anchorCtr="1"/>
-                    <a:lstStyle/>
-                    <a:p>
-                      <a:pPr algn="ctr"/>
-                      <a:r>
-                        <a:rPr sz="1000" b="0">
-                          <a:latin typeface="Calibri"/>
-                        </a:rPr>
-                        <a:t>RF signal input terminal; no blocking capacitor required.</a:t>
-                      </a:r>
-                      <a:endParaRPr lang="en-US"/>
-                    </a:p>
-                  </a:txBody>
-                  <a:tcPr anchor="ctr">
-                    <a:tcBdr>
-                      <a:left>
-                        <a:solidFill>
-                          <a:srgbClr val="D0D0D0"/>
-                        </a:solidFill>
-                      </a:left>
-                      <a:right>
-                        <a:solidFill>
-                          <a:srgbClr val="D0D0D0"/>
-                        </a:solidFill>
-                      </a:right>
-                      <a:top>
-                        <a:solidFill>
-                          <a:srgbClr val="D0D0D0"/>
-                        </a:solidFill>
-                      </a:top>
-                      <a:bottom>
-                        <a:solidFill>
-                          <a:srgbClr val="D0D0D0"/>
-                        </a:solidFill>
-                      </a:bottom>
-                    </a:tcBdr>
-                  </a:tcPr>
-                </a:tc>
-              </a:tr>
-              <a:tr h="333333">
-                <a:tc>
-                  <a:txBody>
-                    <a:bodyPr anchor="ctr" anchorCtr="1"/>
-                    <a:lstStyle/>
-                    <a:p>
-                      <a:pPr algn="ctr"/>
-                      <a:r>
-                        <a:rPr sz="1000" b="0">
-                          <a:latin typeface="Calibri"/>
-                        </a:rPr>
-                        <a:t>2</a:t>
-                      </a:r>
-                      <a:endParaRPr lang="en-US"/>
-                    </a:p>
-                  </a:txBody>
-                  <a:tcPr anchor="ctr">
-                    <a:tcBdr>
-                      <a:left>
-                        <a:solidFill>
-                          <a:srgbClr val="D0D0D0"/>
-                        </a:solidFill>
-                      </a:left>
-                      <a:right>
-                        <a:solidFill>
-                          <a:srgbClr val="D0D0D0"/>
-                        </a:solidFill>
-                      </a:right>
-                      <a:top>
-                        <a:solidFill>
-                          <a:srgbClr val="D0D0D0"/>
-                        </a:solidFill>
-                      </a:top>
-                      <a:bottom>
-                        <a:solidFill>
-                          <a:srgbClr val="D0D0D0"/>
-                        </a:solidFill>
-                      </a:bottom>
-                    </a:tcBdr>
-                  </a:tcPr>
-                </a:tc>
-                <a:tc>
-                  <a:txBody>
-                    <a:bodyPr anchor="ctr" anchorCtr="1"/>
-                    <a:lstStyle/>
-                    <a:p>
-                      <a:pPr algn="ctr"/>
-                      <a:r>
-                        <a:rPr sz="1000" b="0">
-                          <a:latin typeface="Calibri"/>
-                        </a:rPr>
-                        <a:t>RF OUT</a:t>
-                      </a:r>
-                      <a:endParaRPr lang="en-US"/>
-                    </a:p>
-                  </a:txBody>
-                  <a:tcPr anchor="ctr">
-                    <a:tcBdr>
-                      <a:left>
-                        <a:solidFill>
-                          <a:srgbClr val="D0D0D0"/>
-                        </a:solidFill>
-                      </a:left>
-                      <a:right>
-                        <a:solidFill>
-                          <a:srgbClr val="D0D0D0"/>
-                        </a:solidFill>
-                      </a:right>
-                      <a:top>
-                        <a:solidFill>
-                          <a:srgbClr val="D0D0D0"/>
-                        </a:solidFill>
-                      </a:top>
-                      <a:bottom>
-                        <a:solidFill>
-                          <a:srgbClr val="D0D0D0"/>
-                        </a:solidFill>
-                      </a:bottom>
-                    </a:tcBdr>
-                  </a:tcPr>
-                </a:tc>
-                <a:tc>
-                  <a:txBody>
-                    <a:bodyPr anchor="ctr" anchorCtr="1"/>
-                    <a:lstStyle/>
-                    <a:p>
-                      <a:pPr algn="ctr"/>
-                      <a:r>
-                        <a:rPr sz="1000" b="0">
-                          <a:latin typeface="Calibri"/>
-                        </a:rPr>
-                        <a:t>RF signal output terminal; no blocking capacitor required.</a:t>
-                      </a:r>
-                      <a:endParaRPr lang="en-US"/>
-                    </a:p>
-                  </a:txBody>
-                  <a:tcPr anchor="ctr">
-                    <a:tcBdr>
-                      <a:left>
-                        <a:solidFill>
-                          <a:srgbClr val="D0D0D0"/>
-                        </a:solidFill>
-                      </a:left>
-                      <a:right>
-                        <a:solidFill>
-                          <a:srgbClr val="D0D0D0"/>
-                        </a:solidFill>
-                      </a:right>
-                      <a:top>
-                        <a:solidFill>
-                          <a:srgbClr val="D0D0D0"/>
-                        </a:solidFill>
-                      </a:top>
-                      <a:bottom>
-                        <a:solidFill>
-                          <a:srgbClr val="D0D0D0"/>
-                        </a:solidFill>
-                      </a:bottom>
-                    </a:tcBdr>
-                  </a:tcPr>
-                </a:tc>
-              </a:tr>
-              <a:tr h="333333">
-                <a:tc>
-                  <a:txBody>
-                    <a:bodyPr anchor="ctr" anchorCtr="1"/>
-                    <a:lstStyle/>
-                    <a:p>
-                      <a:pPr algn="ctr"/>
-                      <a:r>
-                        <a:rPr sz="1000" b="0">
-                          <a:latin typeface="Calibri"/>
-                        </a:rPr>
-                        <a:t>3</a:t>
-                      </a:r>
-                      <a:endParaRPr lang="en-US"/>
-                    </a:p>
-                  </a:txBody>
-                  <a:tcPr anchor="ctr">
-                    <a:tcBdr>
-                      <a:left>
-                        <a:solidFill>
-                          <a:srgbClr val="D0D0D0"/>
-                        </a:solidFill>
-                      </a:left>
-                      <a:right>
-                        <a:solidFill>
-                          <a:srgbClr val="D0D0D0"/>
-                        </a:solidFill>
-                      </a:right>
-                      <a:top>
-                        <a:solidFill>
-                          <a:srgbClr val="D0D0D0"/>
-                        </a:solidFill>
-                      </a:top>
-                      <a:bottom>
-                        <a:solidFill>
-                          <a:srgbClr val="D0D0D0"/>
-                        </a:solidFill>
-                      </a:bottom>
-                    </a:tcBdr>
-                  </a:tcPr>
-                </a:tc>
-                <a:tc>
-                  <a:txBody>
-                    <a:bodyPr anchor="ctr" anchorCtr="1"/>
-                    <a:lstStyle/>
-                    <a:p>
-                      <a:pPr algn="ctr"/>
-                      <a:r>
-                        <a:rPr sz="1000" b="0">
-                          <a:latin typeface="Calibri"/>
-                        </a:rPr>
-                        <a:t>VD</a:t>
-                      </a:r>
-                      <a:endParaRPr lang="en-US"/>
-                    </a:p>
-                  </a:txBody>
-                  <a:tcPr anchor="ctr">
-                    <a:tcBdr>
-                      <a:left>
-                        <a:solidFill>
-                          <a:srgbClr val="D0D0D0"/>
-                        </a:solidFill>
-                      </a:left>
-                      <a:right>
-                        <a:solidFill>
-                          <a:srgbClr val="D0D0D0"/>
-                        </a:solidFill>
-                      </a:right>
-                      <a:top>
-                        <a:solidFill>
-                          <a:srgbClr val="D0D0D0"/>
-                        </a:solidFill>
-                      </a:top>
-                      <a:bottom>
-                        <a:solidFill>
-                          <a:srgbClr val="D0D0D0"/>
-                        </a:solidFill>
-                      </a:bottom>
-                    </a:tcBdr>
-                  </a:tcPr>
-                </a:tc>
-                <a:tc>
-                  <a:txBody>
-                    <a:bodyPr anchor="ctr" anchorCtr="1"/>
-                    <a:lstStyle/>
-                    <a:p>
-                      <a:pPr algn="ctr"/>
-                      <a:r>
-                        <a:rPr sz="1000" b="0">
-                          <a:latin typeface="Calibri"/>
-                        </a:rPr>
-                        <a:t>Drain Biases for the Amplifier ; An external biasing circuit is required.</a:t>
-                      </a:r>
-                      <a:endParaRPr lang="en-US"/>
-                    </a:p>
-                  </a:txBody>
-                  <a:tcPr anchor="ctr">
-                    <a:tcBdr>
-                      <a:left>
-                        <a:solidFill>
-                          <a:srgbClr val="D0D0D0"/>
-                        </a:solidFill>
-                      </a:left>
-                      <a:right>
-                        <a:solidFill>
-                          <a:srgbClr val="D0D0D0"/>
-                        </a:solidFill>
-                      </a:right>
-                      <a:top>
-                        <a:solidFill>
-                          <a:srgbClr val="D0D0D0"/>
-                        </a:solidFill>
-                      </a:top>
-                      <a:bottom>
-                        <a:solidFill>
-                          <a:srgbClr val="D0D0D0"/>
-                        </a:solidFill>
-                      </a:bottom>
-                    </a:tcBdr>
-                  </a:tcPr>
-                </a:tc>
-              </a:tr>
-              <a:tr h="333333">
-                <a:tc>
-                  <a:txBody>
-                    <a:bodyPr anchor="ctr" anchorCtr="1"/>
-                    <a:lstStyle/>
-                    <a:p>
-                      <a:pPr algn="ctr"/>
-                      <a:r>
-                        <a:rPr sz="1000" b="0">
-                          <a:latin typeface="Calibri"/>
-                        </a:rPr>
-                        <a:t>4</a:t>
-                      </a:r>
-                      <a:endParaRPr lang="en-US"/>
-                    </a:p>
-                  </a:txBody>
-                  <a:tcPr anchor="ctr">
-                    <a:tcBdr>
-                      <a:left>
-                        <a:solidFill>
-                          <a:srgbClr val="D0D0D0"/>
-                        </a:solidFill>
-                      </a:left>
-                      <a:right>
-                        <a:solidFill>
-                          <a:srgbClr val="D0D0D0"/>
-                        </a:solidFill>
-                      </a:right>
-                      <a:top>
-                        <a:solidFill>
-                          <a:srgbClr val="D0D0D0"/>
-                        </a:solidFill>
-                      </a:top>
-                      <a:bottom>
-                        <a:solidFill>
-                          <a:srgbClr val="D0D0D0"/>
-                        </a:solidFill>
-                      </a:bottom>
-                    </a:tcBdr>
-                  </a:tcPr>
-                </a:tc>
-                <a:tc>
-                  <a:txBody>
-                    <a:bodyPr anchor="ctr" anchorCtr="1"/>
-                    <a:lstStyle/>
-                    <a:p>
-                      <a:pPr algn="ctr"/>
-                      <a:r>
-                        <a:rPr sz="1000" b="0">
-                          <a:latin typeface="Calibri"/>
-                        </a:rPr>
-                        <a:t>VG</a:t>
-                      </a:r>
-                      <a:endParaRPr lang="en-US"/>
-                    </a:p>
-                  </a:txBody>
-                  <a:tcPr anchor="ctr">
-                    <a:tcBdr>
-                      <a:left>
-                        <a:solidFill>
-                          <a:srgbClr val="D0D0D0"/>
-                        </a:solidFill>
-                      </a:left>
-                      <a:right>
-                        <a:solidFill>
-                          <a:srgbClr val="D0D0D0"/>
-                        </a:solidFill>
-                      </a:right>
-                      <a:top>
-                        <a:solidFill>
-                          <a:srgbClr val="D0D0D0"/>
-                        </a:solidFill>
-                      </a:top>
-                      <a:bottom>
-                        <a:solidFill>
-                          <a:srgbClr val="D0D0D0"/>
-                        </a:solidFill>
-                      </a:bottom>
-                    </a:tcBdr>
-                  </a:tcPr>
-                </a:tc>
-                <a:tc>
-                  <a:txBody>
-                    <a:bodyPr anchor="ctr" anchorCtr="1"/>
-                    <a:lstStyle/>
-                    <a:p>
-                      <a:pPr algn="ctr"/>
-                      <a:r>
-                        <a:rPr sz="1000" b="0">
-                          <a:latin typeface="Calibri"/>
-                        </a:rPr>
-                        <a:t>Gate Biases for the Amplifier ; An external biasing circuit is required.</a:t>
-                      </a:r>
-                      <a:endParaRPr lang="en-US"/>
-                    </a:p>
-                  </a:txBody>
-                  <a:tcPr anchor="ctr">
-                    <a:tcBdr>
-                      <a:left>
-                        <a:solidFill>
-                          <a:srgbClr val="D0D0D0"/>
-                        </a:solidFill>
-                      </a:left>
-                      <a:right>
-                        <a:solidFill>
-                          <a:srgbClr val="D0D0D0"/>
-                        </a:solidFill>
-                      </a:right>
-                      <a:top>
-                        <a:solidFill>
-                          <a:srgbClr val="D0D0D0"/>
-                        </a:solidFill>
-                      </a:top>
-                      <a:bottom>
-                        <a:solidFill>
-                          <a:srgbClr val="D0D0D0"/>
-                        </a:solidFill>
-                      </a:bottom>
-                    </a:tcBdr>
-                  </a:tcPr>
-                </a:tc>
-              </a:tr>
-              <a:tr h="333333">
-                <a:tc>
-                  <a:txBody>
-                    <a:bodyPr anchor="ctr" anchorCtr="1"/>
-                    <a:lstStyle/>
-                    <a:p>
-                      <a:pPr algn="ctr"/>
-                      <a:r>
-                        <a:rPr sz="1000" b="0">
-                          <a:latin typeface="Calibri"/>
-                        </a:rPr>
-                        <a:t>5</a:t>
-                      </a:r>
-                      <a:endParaRPr lang="en-US"/>
-                    </a:p>
-                  </a:txBody>
-                  <a:tcPr anchor="ctr">
-                    <a:tcBdr>
-                      <a:left>
-                        <a:solidFill>
-                          <a:srgbClr val="D0D0D0"/>
-                        </a:solidFill>
-                      </a:left>
-                      <a:right>
-                        <a:solidFill>
-                          <a:srgbClr val="D0D0D0"/>
-                        </a:solidFill>
-                      </a:right>
-                      <a:top>
-                        <a:solidFill>
-                          <a:srgbClr val="D0D0D0"/>
-                        </a:solidFill>
-                      </a:top>
-                      <a:bottom>
-                        <a:solidFill>
-                          <a:srgbClr val="D0D0D0"/>
-                        </a:solidFill>
-                      </a:bottom>
-                    </a:tcBdr>
-                  </a:tcPr>
-                </a:tc>
-                <a:tc>
-                  <a:txBody>
-                    <a:bodyPr anchor="ctr" anchorCtr="1"/>
-                    <a:lstStyle/>
-                    <a:p>
-                      <a:pPr algn="ctr"/>
-                      <a:r>
-                        <a:rPr sz="1000" b="0">
-                          <a:latin typeface="Calibri"/>
-                        </a:rPr>
-                        <a:t>Die Bottom</a:t>
-                      </a:r>
-                      <a:endParaRPr lang="en-US"/>
-                    </a:p>
-                  </a:txBody>
-                  <a:tcPr anchor="ctr">
-                    <a:tcBdr>
-                      <a:left>
-                        <a:solidFill>
-                          <a:srgbClr val="D0D0D0"/>
-                        </a:solidFill>
-                      </a:left>
-                      <a:right>
-                        <a:solidFill>
-                          <a:srgbClr val="D0D0D0"/>
-                        </a:solidFill>
-                      </a:right>
-                      <a:top>
-                        <a:solidFill>
-                          <a:srgbClr val="D0D0D0"/>
-                        </a:solidFill>
-                      </a:top>
-                      <a:bottom>
-                        <a:solidFill>
-                          <a:srgbClr val="D0D0D0"/>
-                        </a:solidFill>
-                      </a:bottom>
-                    </a:tcBdr>
-                  </a:tcPr>
-                </a:tc>
-                <a:tc>
-                  <a:txBody>
-                    <a:bodyPr anchor="ctr" anchorCtr="1"/>
-                    <a:lstStyle/>
-                    <a:p>
-                      <a:pPr algn="ctr"/>
-                      <a:r>
-                        <a:rPr sz="1000" b="0">
-                          <a:latin typeface="Calibri"/>
-                        </a:rPr>
-                        <a:t>Die bottom must be connected to RF and dc ground.</a:t>
-                      </a:r>
-                      <a:endParaRPr lang="en-US"/>
-                    </a:p>
-                  </a:txBody>
-                  <a:tcPr anchor="ctr">
-                    <a:tcBdr>
-                      <a:left>
-                        <a:solidFill>
-                          <a:srgbClr val="D0D0D0"/>
-                        </a:solidFill>
-                      </a:left>
-                      <a:right>
-                        <a:solidFill>
-                          <a:srgbClr val="D0D0D0"/>
-                        </a:solidFill>
-                      </a:right>
-                      <a:top>
-                        <a:solidFill>
-                          <a:srgbClr val="D0D0D0"/>
-                        </a:solidFill>
-                      </a:top>
-                      <a:bottom>
-                        <a:solidFill>
-                          <a:srgbClr val="D0D0D0"/>
-                        </a:solidFill>
-                      </a:bottom>
-                    </a:tcBdr>
-                  </a:tcPr>
-                </a:tc>
-              </a:tr>
-            </a:tbl>
-          </a:graphicData>
-        </a:graphic>
-      </p:graphicFrame>
-    </p:spTree>
-  </p:cSld>
-  <p:clrMapOvr>
-    <a:masterClrMapping xmlns:a="http://schemas.openxmlformats.org/drawingml/2006/main"/>
-  </p:clrMapOvr>
-</p:sld>
-</file>
-
-<file path=ppt/slides/slide8.xml><?xml version="1.0" encoding="utf-8"?>
-<p:sld xmlns:p="http://schemas.openxmlformats.org/presentationml/2006/main">
-  <p:cSld name="Blank">
-    <p:spTree>
-      <p:nvGrpSpPr>
-        <p:cNvPr id="1" name=""/>
-        <p:cNvGrpSpPr/>
-        <p:nvPr/>
-      </p:nvGrpSpPr>
-      <p:grpSpPr>
-        <a:xfrm xmlns:a="http://schemas.openxmlformats.org/drawingml/2006/main">
-          <a:off x="0" y="0"/>
-          <a:ext cx="0" cy="0"/>
-          <a:chOff x="0" y="0"/>
-          <a:chExt cx="0" cy="0"/>
-        </a:xfrm>
-      </p:grpSpPr>
-      <p:pic>
-        <p:nvPicPr>
-          <p:cNvPr id="100" name="框图.png"/>
-          <p:cNvPicPr>
-            <a:picLocks xmlns:a="http://schemas.openxmlformats.org/drawingml/2006/main" noChangeAspect="1"/>
-          </p:cNvPicPr>
-          <p:nvPr/>
-        </p:nvPicPr>
-        <p:blipFill>
-          <a:blip xmlns:r="http://schemas.openxmlformats.org/officeDocument/2006/relationships" xmlns:a="http://schemas.openxmlformats.org/drawingml/2006/main" r:embed="Rca5518ac28314fd7"/>
-          <a:stretch xmlns:a="http://schemas.openxmlformats.org/drawingml/2006/main">
-            <a:fillRect/>
-          </a:stretch>
-        </p:blipFill>
-        <p:spPr>
-          <a:xfrm xmlns:a="http://schemas.openxmlformats.org/drawingml/2006/main">
-            <a:off x="2514400" y="1314000"/>
-            <a:ext cx="3000000" cy="3000000"/>
-          </a:xfrm>
-          <a:prstGeom xmlns:a="http://schemas.openxmlformats.org/drawingml/2006/main" prst="rect">
-            <a:avLst/>
-          </a:prstGeom>
-        </p:spPr>
-      </p:pic>
-      <p:sp>
-        <p:nvSpPr>
-          <p:cNvPr id="101" name="TextBox 101"/>
-          <p:cNvSpPr>
-            <a:spLocks xmlns:a="http://schemas.openxmlformats.org/drawingml/2006/main" noGrp="1"/>
-          </p:cNvSpPr>
-          <p:nvPr/>
-        </p:nvSpPr>
-        <p:spPr>
-          <a:xfrm xmlns:a="http://schemas.openxmlformats.org/drawingml/2006/main">
-            <a:off x="914400" y="5314000"/>
-            <a:ext cx="6000000" cy="350000"/>
-          </a:xfrm>
-          <a:prstGeom xmlns:a="http://schemas.openxmlformats.org/drawingml/2006/main" prst="rect">
-            <a:avLst/>
-          </a:prstGeom>
-        </p:spPr>
-        <p:txBody>
-          <a:bodyPr xmlns:a="http://schemas.openxmlformats.org/drawingml/2006/main"/>
-          <a:lstStyle xmlns:a="http://schemas.openxmlformats.org/drawingml/2006/main"/>
-          <a:p xmlns:a="http://schemas.openxmlformats.org/drawingml/2006/main">
-            <a:pPr algn="ctr"/>
-            <a:r>
-              <a:rPr sz="1400" b="1">
-                <a:latin typeface="Calibri"/>
-              </a:rPr>
-              <a:t>Biasing and Operation</a:t>
-            </a:r>
-          </a:p>
-        </p:txBody>
-      </p:sp>
-      <p:sp>
-        <p:nvSpPr>
-          <p:cNvPr id="102" name="TextBox 102"/>
-          <p:cNvSpPr>
-            <a:spLocks xmlns:a="http://schemas.openxmlformats.org/drawingml/2006/main" noGrp="1"/>
-          </p:cNvSpPr>
-          <p:nvPr/>
-        </p:nvSpPr>
-        <p:spPr>
-          <a:xfrm xmlns:a="http://schemas.openxmlformats.org/drawingml/2006/main">
-            <a:off x="914400" y="5664800"/>
-            <a:ext cx="6000000" cy="1850000"/>
-          </a:xfrm>
-          <a:prstGeom xmlns:a="http://schemas.openxmlformats.org/drawingml/2006/main" prst="rect">
-            <a:avLst/>
-          </a:prstGeom>
-        </p:spPr>
-        <p:txBody>
-          <a:bodyPr xmlns:a="http://schemas.openxmlformats.org/drawingml/2006/main"/>
-          <a:lstStyle xmlns:a="http://schemas.openxmlformats.org/drawingml/2006/main"/>
-          <a:p xmlns:a="http://schemas.openxmlformats.org/drawingml/2006/main">
-            <a:pPr algn="l"/>
-            <a:r>
-              <a:rPr sz="1200">
-                <a:latin typeface="Calibri"/>
-              </a:rPr>
-              <a:t>Turn ON procedure:</a:t>
-            </a:r>
-          </a:p>
-          <a:p xmlns:a="http://schemas.openxmlformats.org/drawingml/2006/main">
-            <a:pPr indent="-180000" algn="l"/>
-            <a:r>
-              <a:rPr sz="1200">
-                <a:latin typeface="Calibri"/>
-              </a:rPr>
-              <a:t>1.    Connect GND to RF and dc ground.</a:t>
-            </a:r>
-          </a:p>
-          <a:p xmlns:a="http://schemas.openxmlformats.org/drawingml/2006/main">
-            <a:pPr indent="-180000" algn="l"/>
-            <a:r>
-              <a:rPr sz="1200">
-                <a:latin typeface="Calibri"/>
-              </a:rPr>
-              <a:t>2.    Set the gate bias voltages VG to -2V.</a:t>
-            </a:r>
-          </a:p>
-          <a:p xmlns:a="http://schemas.openxmlformats.org/drawingml/2006/main">
-            <a:pPr indent="-180000" algn="l"/>
-            <a:r>
-              <a:rPr sz="1200">
-                <a:latin typeface="Calibri"/>
-              </a:rPr>
-              <a:t>3.    Set the drain bias voltages VD to +4V.</a:t>
-            </a:r>
-          </a:p>
-          <a:p xmlns:a="http://schemas.openxmlformats.org/drawingml/2006/main">
-            <a:pPr indent="-180000" algn="l"/>
-            <a:r>
-              <a:rPr sz="1200">
-                <a:latin typeface="Calibri"/>
-              </a:rPr>
-              <a:t>4.    Apply RF signal.
-</a:t>
-            </a:r>
-          </a:p>
-          <a:p xmlns:a="http://schemas.openxmlformats.org/drawingml/2006/main">
-            <a:pPr indent="-180000" algn="l"/>
-            <a:r>
-              <a:rPr sz="1200">
-                <a:latin typeface="Calibri"/>
-              </a:rPr>
-              <a:t>Turn OFF procedure:</a:t>
-            </a:r>
-          </a:p>
-          <a:p xmlns:a="http://schemas.openxmlformats.org/drawingml/2006/main">
-            <a:pPr indent="-180000" algn="l"/>
-            <a:r>
-              <a:rPr sz="1200">
-                <a:latin typeface="Calibri"/>
-              </a:rPr>
-              <a:t>1.    Turn off the RF signal.</a:t>
-            </a:r>
-          </a:p>
-          <a:p xmlns:a="http://schemas.openxmlformats.org/drawingml/2006/main">
-            <a:pPr indent="-180000" algn="l"/>
-            <a:r>
-              <a:rPr sz="1200">
-                <a:latin typeface="Calibri"/>
-              </a:rPr>
-              <a:t>2.    Decrease the gate bias voltages, VG to -2V to achieve a IDQ = 0 mA (approximately).</a:t>
-            </a:r>
-          </a:p>
-          <a:p xmlns:a="http://schemas.openxmlformats.org/drawingml/2006/main">
-            <a:pPr indent="-180000" algn="l"/>
-            <a:r>
-              <a:rPr sz="1200">
-                <a:latin typeface="Calibri"/>
-              </a:rPr>
-              <a:t>3.    Decrease the drain bias voltages to 0 V.</a:t>
-            </a:r>
-          </a:p>
-          <a:p xmlns:a="http://schemas.openxmlformats.org/drawingml/2006/main">
-            <a:pPr indent="-180000" algn="l"/>
-            <a:r>
-              <a:rPr sz="1200">
-                <a:latin typeface="Calibri"/>
-              </a:rPr>
-              <a:t>4.    Increase the gate bias voltages to achieve a quiescent supply current of 82 mA.</a:t>
-            </a:r>
-          </a:p>
-          <a:p xmlns:a="http://schemas.openxmlformats.org/drawingml/2006/main">
-            <a:pPr indent="-180000" algn="l"/>
-            <a:r>
-              <a:rPr sz="1200">
-                <a:latin typeface="Calibri"/>
-              </a:rPr>
-              <a:t>5.    Increase the all gate bias voltages to 0 V.</a:t>
             </a:r>
           </a:p>
         </p:txBody>
@@ -10603,295 +10230,1256 @@
               <a:rPr sz="1400" b="1" u="sng">
                 <a:latin typeface="Calibri"/>
               </a:rPr>
-              <a:t>Mounting &amp; Bonding Techniques for MMICs</a:t>
+              <a:t>Assembly Drawing</a:t>
             </a:r>
           </a:p>
         </p:txBody>
       </p:sp>
       <p:pic>
         <p:nvPicPr>
-          <p:cNvPr id="100" name="芯片安装图.png"/>
+          <p:cNvPr id="100" name="装配图.png"/>
           <p:cNvPicPr>
             <a:picLocks xmlns:a="http://schemas.openxmlformats.org/drawingml/2006/main" noChangeAspect="1"/>
           </p:cNvPicPr>
           <p:nvPr/>
         </p:nvPicPr>
         <p:blipFill>
-          <a:blip xmlns:r="http://schemas.openxmlformats.org/officeDocument/2006/relationships" xmlns:a="http://schemas.openxmlformats.org/drawingml/2006/main" r:embed="R228acd2db19e4bc8"/>
+          <a:blip xmlns:r="http://schemas.openxmlformats.org/officeDocument/2006/relationships" xmlns:a="http://schemas.openxmlformats.org/drawingml/2006/main" r:embed="R4f22f19527b441f5"/>
           <a:stretch xmlns:a="http://schemas.openxmlformats.org/drawingml/2006/main">
             <a:fillRect/>
           </a:stretch>
         </p:blipFill>
         <p:spPr>
           <a:xfrm xmlns:a="http://schemas.openxmlformats.org/drawingml/2006/main">
-            <a:off x="1514400" y="1714000"/>
-            <a:ext cx="5000000" cy="1500000"/>
+            <a:off x="1014400" y="1664100"/>
+            <a:ext cx="5500000" cy="3500000"/>
           </a:xfrm>
           <a:prstGeom xmlns:a="http://schemas.openxmlformats.org/drawingml/2006/main" prst="rect">
             <a:avLst/>
           </a:prstGeom>
         </p:spPr>
       </p:pic>
-      <p:sp>
-        <p:nvSpPr>
-          <p:cNvPr id="101" name="TextBox 101"/>
-          <p:cNvSpPr>
-            <a:spLocks xmlns:a="http://schemas.openxmlformats.org/drawingml/2006/main" noGrp="1"/>
-          </p:cNvSpPr>
+      <p:graphicFrame>
+        <p:nvGraphicFramePr>
+          <p:cNvPr id="101" name="Table 101"/>
+          <p:cNvGraphicFramePr/>
           <p:nvPr/>
-        </p:nvSpPr>
-        <p:spPr>
-          <a:xfrm xmlns:a="http://schemas.openxmlformats.org/drawingml/2006/main">
-            <a:off x="914400" y="3614000"/>
-            <a:ext cx="6000000" cy="2600000"/>
-          </a:xfrm>
-          <a:prstGeom xmlns:a="http://schemas.openxmlformats.org/drawingml/2006/main" prst="rect">
-            <a:avLst/>
-          </a:prstGeom>
-        </p:spPr>
-        <p:txBody>
-          <a:bodyPr xmlns:a="http://schemas.openxmlformats.org/drawingml/2006/main"/>
-          <a:lstStyle xmlns:a="http://schemas.openxmlformats.org/drawingml/2006/main"/>
-          <a:p xmlns:a="http://schemas.openxmlformats.org/drawingml/2006/main">
-            <a:pPr algn="l"/>
-            <a:r>
-              <a:rPr sz="1100" b="1">
-                <a:latin typeface="Calibri"/>
-              </a:rPr>
-              <a:t>Direct Mounting</a:t>
-            </a:r>
-          </a:p>
-          <a:p xmlns:a="http://schemas.openxmlformats.org/drawingml/2006/main">
-            <a:pPr indent="-180000" algn="l"/>
-            <a:r>
-              <a:rPr sz="1100" b="0">
-                <a:latin typeface="Calibri"/>
-              </a:rPr>
-              <a:t>1.Typically, the die is mounted directly on the ground plane.</a:t>
-            </a:r>
-          </a:p>
-          <a:p xmlns:a="http://schemas.openxmlformats.org/drawingml/2006/main">
-            <a:pPr indent="-180000" algn="l"/>
-            <a:r>
-              <a:rPr sz="1100" b="0">
-                <a:latin typeface="Calibri"/>
-              </a:rPr>
-              <a:t>2.If the thickness difference between the substrate (thickness c) and the die (thickness d) exceeds 0.05 mm (i.e., c – d &gt; 0.05 mm), it is recommended to first mount the die on a heat spreader, then attach the heat spreader to the ground plane.</a:t>
-            </a:r>
-          </a:p>
-          <a:p xmlns:a="http://schemas.openxmlformats.org/drawingml/2006/main">
-            <a:pPr indent="-180000" algn="l"/>
-            <a:r>
-              <a:rPr sz="1100" b="0">
-                <a:latin typeface="Calibri"/>
-              </a:rPr>
-              <a:t>3.Heat Spreader Material: Molybdenum-copper (MoCu) alloy is commonly used.</a:t>
-            </a:r>
-          </a:p>
-          <a:p xmlns:a="http://schemas.openxmlformats.org/drawingml/2006/main">
-            <a:pPr indent="-180000" algn="l"/>
-            <a:r>
-              <a:rPr sz="1100" b="0">
-                <a:latin typeface="Calibri"/>
-              </a:rPr>
-              <a:t>4.Heat Sink Thickness (b): Should be within the range of (c – d – 0.05 mm) to (c –d + 0.05 mm).</a:t>
-            </a:r>
-          </a:p>
-          <a:p xmlns:a="http://schemas.openxmlformats.org/drawingml/2006/main">
-            <a:pPr indent="-180000" algn="l"/>
-            <a:r>
-              <a:rPr sz="1100" b="0">
-                <a:latin typeface="Calibri"/>
-              </a:rPr>
-              <a:t>5.Spacing (a): The gap between the bare die and the 50Ω transmission line should typically be 0.05 mm to 0.1 mm. If the application frequency is higher than 40GHz, then this gap is recommended to be 0.05mm</a:t>
-            </a:r>
-          </a:p>
-          <a:p xmlns:a="http://schemas.openxmlformats.org/drawingml/2006/main">
-            <a:pPr indent="-180000" algn="l"/>
-            <a:r>
-              <a:rPr sz="1100" b="1">
-                <a:latin typeface="Calibri"/>
-              </a:rPr>
-              <a:t> Wire Bonding Interconnection</a:t>
-            </a:r>
-          </a:p>
-          <a:p xmlns:a="http://schemas.openxmlformats.org/drawingml/2006/main">
-            <a:pPr indent="-180000" algn="l"/>
-            <a:r>
-              <a:rPr sz="1100" b="0">
-                <a:latin typeface="Calibri"/>
-              </a:rPr>
-              <a:t>The connection between the die and the 50Ω transmission line is usually made using 25 μm diameter gold (Au) wires, bonded via wedge bonding or ball bonding processes.</a:t>
-            </a:r>
-          </a:p>
-          <a:p xmlns:a="http://schemas.openxmlformats.org/drawingml/2006/main">
-            <a:pPr indent="-180000" algn="l"/>
-            <a:r>
-              <a:rPr sz="1100" b="1">
-                <a:latin typeface="Calibri"/>
-              </a:rPr>
-              <a:t>Die Attachment Methods</a:t>
-            </a:r>
-          </a:p>
-          <a:p xmlns:a="http://schemas.openxmlformats.org/drawingml/2006/main">
-            <a:pPr indent="-180000" algn="l"/>
-            <a:r>
-              <a:rPr sz="1100" b="1">
-                <a:latin typeface="Calibri"/>
-              </a:rPr>
-              <a:t>1.Conductive Epoxy:</a:t>
-            </a:r>
-          </a:p>
-          <a:p xmlns:a="http://schemas.openxmlformats.org/drawingml/2006/main">
-            <a:pPr indent="-180000" algn="l"/>
-            <a:r>
-              <a:rPr sz="1100" b="0">
-                <a:latin typeface="Calibri"/>
-              </a:rPr>
-              <a:t>After adhesive application, cure according to the manufacturer’s recommended temperature profile.</a:t>
-            </a:r>
-          </a:p>
-          <a:p xmlns:a="http://schemas.openxmlformats.org/drawingml/2006/main">
-            <a:pPr indent="-180000" algn="l"/>
-            <a:r>
-              <a:rPr sz="1100" b="1">
-                <a:latin typeface="Calibri"/>
-              </a:rPr>
-              <a:t>2.Au-Sn80/20 Eutectic Bonding:</a:t>
-            </a:r>
-          </a:p>
-          <a:p xmlns:a="http://schemas.openxmlformats.org/drawingml/2006/main">
-            <a:pPr indent="-180000" algn="l"/>
-            <a:r>
-              <a:rPr sz="1100" b="0">
-                <a:latin typeface="Calibri"/>
-              </a:rPr>
-              <a:t>Use preformed Au-Sn80/20 solder preforms.</a:t>
-            </a:r>
-          </a:p>
-          <a:p xmlns:a="http://schemas.openxmlformats.org/drawingml/2006/main">
-            <a:pPr indent="-180000" algn="l"/>
-            <a:r>
-              <a:rPr sz="1100" b="0">
-                <a:latin typeface="Calibri"/>
-              </a:rPr>
-              <a:t>Perform bonding in an inert atmosphere (N₂ or forming gas: 90% N₂ + 10% H₂).</a:t>
-            </a:r>
-          </a:p>
-          <a:p xmlns:a="http://schemas.openxmlformats.org/drawingml/2006/main">
-            <a:pPr indent="-180000" algn="l"/>
-            <a:r>
-              <a:rPr sz="1100" b="0">
-                <a:latin typeface="Calibri"/>
-              </a:rPr>
-              <a:t>Keep the time above 320℃ to less than 20 seconds to prevent excessive intermetallic formation.</a:t>
-            </a:r>
-          </a:p>
-          <a:p xmlns:a="http://schemas.openxmlformats.org/drawingml/2006/main">
-            <a:pPr indent="-180000" algn="l"/>
-            <a:r>
-              <a:rPr sz="1100" b="0">
-                <a:latin typeface="Calibri"/>
-              </a:rPr>
-              <a:t/>
-            </a:r>
-          </a:p>
-        </p:txBody>
-      </p:sp>
-      <p:sp>
-        <p:nvSpPr>
-          <p:cNvPr id="102" name="TextBox 102"/>
-          <p:cNvSpPr>
-            <a:spLocks xmlns:a="http://schemas.openxmlformats.org/drawingml/2006/main" noGrp="1"/>
-          </p:cNvSpPr>
+        </p:nvGraphicFramePr>
+        <p:xfrm>
+          <a:off xmlns:a="http://schemas.openxmlformats.org/drawingml/2006/main" x="914400" y="5214100"/>
+          <a:ext xmlns:a="http://schemas.openxmlformats.org/drawingml/2006/main" cx="3200000" cy="2000000"/>
+        </p:xfrm>
+        <p:spPr/>
+        <a:graphic xmlns:a="http://schemas.openxmlformats.org/drawingml/2006/main">
+          <a:graphicData uri="http://schemas.openxmlformats.org/drawingml/2006/table">
+            <a:tbl>
+              <a:tblGrid>
+                <a:gridCol w="914290"/>
+                <a:gridCol w="2285710"/>
+              </a:tblGrid>
+              <a:tr h="400000">
+                <a:tc>
+                  <a:txBody>
+                    <a:bodyPr anchor="ctr" anchorCtr="1"/>
+                    <a:lstStyle/>
+                    <a:p>
+                      <a:pPr algn="ctr"/>
+                      <a:r>
+                        <a:rPr sz="1000" b="1">
+                          <a:solidFill>
+                            <a:srgbClr val="FFFFFF"/>
+                          </a:solidFill>
+                          <a:latin typeface="Calibri"/>
+                        </a:rPr>
+                        <a:t>Item</a:t>
+                      </a:r>
+                      <a:endParaRPr lang="en-US"/>
+                    </a:p>
+                  </a:txBody>
+                  <a:tcPr anchor="ctr">
+                    <a:tcBdr>
+                      <a:left>
+                        <a:solidFill>
+                          <a:srgbClr val="D0D0D0"/>
+                        </a:solidFill>
+                      </a:left>
+                      <a:right>
+                        <a:solidFill>
+                          <a:srgbClr val="D0D0D0"/>
+                        </a:solidFill>
+                      </a:right>
+                      <a:top>
+                        <a:solidFill>
+                          <a:srgbClr val="D0D0D0"/>
+                        </a:solidFill>
+                      </a:top>
+                      <a:bottom>
+                        <a:solidFill>
+                          <a:srgbClr val="D0D0D0"/>
+                        </a:solidFill>
+                      </a:bottom>
+                    </a:tcBdr>
+                    <a:solidFill>
+                      <a:srgbClr val="757171"/>
+                    </a:solidFill>
+                  </a:tcPr>
+                </a:tc>
+                <a:tc>
+                  <a:txBody>
+                    <a:bodyPr anchor="ctr" anchorCtr="1"/>
+                    <a:lstStyle/>
+                    <a:p>
+                      <a:pPr algn="ctr"/>
+                      <a:r>
+                        <a:rPr sz="1000" b="1">
+                          <a:solidFill>
+                            <a:srgbClr val="FFFFFF"/>
+                          </a:solidFill>
+                          <a:latin typeface="Calibri"/>
+                        </a:rPr>
+                        <a:t>Description</a:t>
+                      </a:r>
+                      <a:endParaRPr lang="en-US"/>
+                    </a:p>
+                  </a:txBody>
+                  <a:tcPr anchor="ctr">
+                    <a:tcBdr>
+                      <a:left>
+                        <a:solidFill>
+                          <a:srgbClr val="D0D0D0"/>
+                        </a:solidFill>
+                      </a:left>
+                      <a:right>
+                        <a:solidFill>
+                          <a:srgbClr val="D0D0D0"/>
+                        </a:solidFill>
+                      </a:right>
+                      <a:top>
+                        <a:solidFill>
+                          <a:srgbClr val="D0D0D0"/>
+                        </a:solidFill>
+                      </a:top>
+                      <a:bottom>
+                        <a:solidFill>
+                          <a:srgbClr val="D0D0D0"/>
+                        </a:solidFill>
+                      </a:bottom>
+                    </a:tcBdr>
+                    <a:solidFill>
+                      <a:srgbClr val="757171"/>
+                    </a:solidFill>
+                  </a:tcPr>
+                </a:tc>
+              </a:tr>
+              <a:tr h="400000">
+                <a:tc>
+                  <a:txBody>
+                    <a:bodyPr anchor="ctr" anchorCtr="1"/>
+                    <a:lstStyle/>
+                    <a:p>
+                      <a:pPr algn="ctr"/>
+                      <a:r>
+                        <a:rPr sz="1000" b="0">
+                          <a:latin typeface="Calibri"/>
+                        </a:rPr>
+                        <a:t>C1</a:t>
+                      </a:r>
+                      <a:endParaRPr lang="en-US"/>
+                    </a:p>
+                  </a:txBody>
+                  <a:tcPr anchor="ctr">
+                    <a:tcBdr>
+                      <a:left>
+                        <a:solidFill>
+                          <a:srgbClr val="D0D0D0"/>
+                        </a:solidFill>
+                      </a:left>
+                      <a:right>
+                        <a:solidFill>
+                          <a:srgbClr val="D0D0D0"/>
+                        </a:solidFill>
+                      </a:right>
+                      <a:top>
+                        <a:solidFill>
+                          <a:srgbClr val="D0D0D0"/>
+                        </a:solidFill>
+                      </a:top>
+                      <a:bottom>
+                        <a:solidFill>
+                          <a:srgbClr val="D0D0D0"/>
+                        </a:solidFill>
+                      </a:bottom>
+                    </a:tcBdr>
+                  </a:tcPr>
+                </a:tc>
+                <a:tc>
+                  <a:txBody>
+                    <a:bodyPr anchor="ctr" anchorCtr="1"/>
+                    <a:lstStyle/>
+                    <a:p>
+                      <a:pPr algn="ctr"/>
+                      <a:r>
+                        <a:rPr sz="1000" b="0">
+                          <a:latin typeface="Calibri"/>
+                        </a:rPr>
+                        <a:t>100pF Example: Skyworks 
+Part: SC10002430</a:t>
+                      </a:r>
+                      <a:endParaRPr lang="en-US"/>
+                    </a:p>
+                  </a:txBody>
+                  <a:tcPr anchor="ctr">
+                    <a:tcBdr>
+                      <a:left>
+                        <a:solidFill>
+                          <a:srgbClr val="D0D0D0"/>
+                        </a:solidFill>
+                      </a:left>
+                      <a:right>
+                        <a:solidFill>
+                          <a:srgbClr val="D0D0D0"/>
+                        </a:solidFill>
+                      </a:right>
+                      <a:top>
+                        <a:solidFill>
+                          <a:srgbClr val="D0D0D0"/>
+                        </a:solidFill>
+                      </a:top>
+                      <a:bottom>
+                        <a:solidFill>
+                          <a:srgbClr val="D0D0D0"/>
+                        </a:solidFill>
+                      </a:bottom>
+                    </a:tcBdr>
+                  </a:tcPr>
+                </a:tc>
+              </a:tr>
+              <a:tr h="400000">
+                <a:tc>
+                  <a:txBody>
+                    <a:bodyPr anchor="ctr" anchorCtr="1"/>
+                    <a:lstStyle/>
+                    <a:p>
+                      <a:pPr algn="ctr"/>
+                      <a:r>
+                        <a:rPr sz="1000" b="0">
+                          <a:latin typeface="Calibri"/>
+                        </a:rPr>
+                        <a:t>C2</a:t>
+                      </a:r>
+                      <a:endParaRPr lang="en-US"/>
+                    </a:p>
+                  </a:txBody>
+                  <a:tcPr anchor="ctr">
+                    <a:tcBdr>
+                      <a:left>
+                        <a:solidFill>
+                          <a:srgbClr val="D0D0D0"/>
+                        </a:solidFill>
+                      </a:left>
+                      <a:right>
+                        <a:solidFill>
+                          <a:srgbClr val="D0D0D0"/>
+                        </a:solidFill>
+                      </a:right>
+                      <a:top>
+                        <a:solidFill>
+                          <a:srgbClr val="D0D0D0"/>
+                        </a:solidFill>
+                      </a:top>
+                      <a:bottom>
+                        <a:solidFill>
+                          <a:srgbClr val="D0D0D0"/>
+                        </a:solidFill>
+                      </a:bottom>
+                    </a:tcBdr>
+                  </a:tcPr>
+                </a:tc>
+                <a:tc>
+                  <a:txBody>
+                    <a:bodyPr anchor="ctr" anchorCtr="1"/>
+                    <a:lstStyle/>
+                    <a:p>
+                      <a:pPr algn="ctr"/>
+                      <a:r>
+                        <a:rPr sz="1000" b="0">
+                          <a:latin typeface="Calibri"/>
+                        </a:rPr>
+                        <a:t>0.01μF Example: TDK 
+Part:C1005X7R1H103K050BB (0402)</a:t>
+                      </a:r>
+                      <a:endParaRPr lang="en-US"/>
+                    </a:p>
+                  </a:txBody>
+                  <a:tcPr anchor="ctr">
+                    <a:tcBdr>
+                      <a:left>
+                        <a:solidFill>
+                          <a:srgbClr val="D0D0D0"/>
+                        </a:solidFill>
+                      </a:left>
+                      <a:right>
+                        <a:solidFill>
+                          <a:srgbClr val="D0D0D0"/>
+                        </a:solidFill>
+                      </a:right>
+                      <a:top>
+                        <a:solidFill>
+                          <a:srgbClr val="D0D0D0"/>
+                        </a:solidFill>
+                      </a:top>
+                      <a:bottom>
+                        <a:solidFill>
+                          <a:srgbClr val="D0D0D0"/>
+                        </a:solidFill>
+                      </a:bottom>
+                    </a:tcBdr>
+                  </a:tcPr>
+                </a:tc>
+              </a:tr>
+              <a:tr h="400000">
+                <a:tc>
+                  <a:txBody>
+                    <a:bodyPr anchor="ctr" anchorCtr="1"/>
+                    <a:lstStyle/>
+                    <a:p>
+                      <a:pPr algn="ctr"/>
+                      <a:r>
+                        <a:rPr sz="1000" b="0">
+                          <a:latin typeface="Calibri"/>
+                        </a:rPr>
+                        <a:t>C3</a:t>
+                      </a:r>
+                      <a:endParaRPr lang="en-US"/>
+                    </a:p>
+                  </a:txBody>
+                  <a:tcPr anchor="ctr">
+                    <a:tcBdr>
+                      <a:left>
+                        <a:solidFill>
+                          <a:srgbClr val="D0D0D0"/>
+                        </a:solidFill>
+                      </a:left>
+                      <a:right>
+                        <a:solidFill>
+                          <a:srgbClr val="D0D0D0"/>
+                        </a:solidFill>
+                      </a:right>
+                      <a:top>
+                        <a:solidFill>
+                          <a:srgbClr val="D0D0D0"/>
+                        </a:solidFill>
+                      </a:top>
+                      <a:bottom>
+                        <a:solidFill>
+                          <a:srgbClr val="D0D0D0"/>
+                        </a:solidFill>
+                      </a:bottom>
+                    </a:tcBdr>
+                  </a:tcPr>
+                </a:tc>
+                <a:tc>
+                  <a:txBody>
+                    <a:bodyPr anchor="ctr" anchorCtr="1"/>
+                    <a:lstStyle/>
+                    <a:p>
+                      <a:pPr algn="ctr"/>
+                      <a:r>
+                        <a:rPr sz="1000" b="0">
+                          <a:latin typeface="Calibri"/>
+                        </a:rPr>
+                        <a:t>0.1μF Example: TDK 
+Part:C1005X7R1H104K050BB (0402)</a:t>
+                      </a:r>
+                      <a:endParaRPr lang="en-US"/>
+                    </a:p>
+                  </a:txBody>
+                  <a:tcPr anchor="ctr">
+                    <a:tcBdr>
+                      <a:left>
+                        <a:solidFill>
+                          <a:srgbClr val="D0D0D0"/>
+                        </a:solidFill>
+                      </a:left>
+                      <a:right>
+                        <a:solidFill>
+                          <a:srgbClr val="D0D0D0"/>
+                        </a:solidFill>
+                      </a:right>
+                      <a:top>
+                        <a:solidFill>
+                          <a:srgbClr val="D0D0D0"/>
+                        </a:solidFill>
+                      </a:top>
+                      <a:bottom>
+                        <a:solidFill>
+                          <a:srgbClr val="D0D0D0"/>
+                        </a:solidFill>
+                      </a:bottom>
+                    </a:tcBdr>
+                  </a:tcPr>
+                </a:tc>
+              </a:tr>
+              <a:tr h="400000">
+                <a:tc>
+                  <a:txBody>
+                    <a:bodyPr anchor="ctr" anchorCtr="1"/>
+                    <a:lstStyle/>
+                    <a:p>
+                      <a:pPr algn="ctr"/>
+                      <a:r>
+                        <a:rPr sz="1000" b="0">
+                          <a:latin typeface="Calibri"/>
+                        </a:rPr>
+                        <a:t>R1</a:t>
+                      </a:r>
+                      <a:endParaRPr lang="en-US"/>
+                    </a:p>
+                  </a:txBody>
+                  <a:tcPr anchor="ctr">
+                    <a:tcBdr>
+                      <a:left>
+                        <a:solidFill>
+                          <a:srgbClr val="D0D0D0"/>
+                        </a:solidFill>
+                      </a:left>
+                      <a:right>
+                        <a:solidFill>
+                          <a:srgbClr val="D0D0D0"/>
+                        </a:solidFill>
+                      </a:right>
+                      <a:top>
+                        <a:solidFill>
+                          <a:srgbClr val="D0D0D0"/>
+                        </a:solidFill>
+                      </a:top>
+                      <a:bottom>
+                        <a:solidFill>
+                          <a:srgbClr val="D0D0D0"/>
+                        </a:solidFill>
+                      </a:bottom>
+                    </a:tcBdr>
+                  </a:tcPr>
+                </a:tc>
+                <a:tc>
+                  <a:txBody>
+                    <a:bodyPr anchor="ctr" anchorCtr="1"/>
+                    <a:lstStyle/>
+                    <a:p>
+                      <a:pPr algn="ctr"/>
+                      <a:r>
+                        <a:rPr sz="1000" b="0">
+                          <a:latin typeface="Calibri"/>
+                        </a:rPr>
+                        <a:t>100Ω Example: Yageo 
+Part:SR0402FR-7T10RL</a:t>
+                      </a:r>
+                      <a:endParaRPr lang="en-US"/>
+                    </a:p>
+                  </a:txBody>
+                  <a:tcPr anchor="ctr">
+                    <a:tcBdr>
+                      <a:left>
+                        <a:solidFill>
+                          <a:srgbClr val="D0D0D0"/>
+                        </a:solidFill>
+                      </a:left>
+                      <a:right>
+                        <a:solidFill>
+                          <a:srgbClr val="D0D0D0"/>
+                        </a:solidFill>
+                      </a:right>
+                      <a:top>
+                        <a:solidFill>
+                          <a:srgbClr val="D0D0D0"/>
+                        </a:solidFill>
+                      </a:top>
+                      <a:bottom>
+                        <a:solidFill>
+                          <a:srgbClr val="D0D0D0"/>
+                        </a:solidFill>
+                      </a:bottom>
+                    </a:tcBdr>
+                  </a:tcPr>
+                </a:tc>
+              </a:tr>
+            </a:tbl>
+          </a:graphicData>
+        </a:graphic>
+      </p:graphicFrame>
+      <p:graphicFrame>
+        <p:nvGraphicFramePr>
+          <p:cNvPr id="102" name="Table 102"/>
+          <p:cNvGraphicFramePr/>
           <p:nvPr/>
-        </p:nvSpPr>
-        <p:spPr>
-          <a:xfrm xmlns:a="http://schemas.openxmlformats.org/drawingml/2006/main">
-            <a:off x="914400" y="7414000"/>
-            <a:ext cx="6000000" cy="1400000"/>
-          </a:xfrm>
-          <a:prstGeom xmlns:a="http://schemas.openxmlformats.org/drawingml/2006/main" prst="rect">
-            <a:avLst/>
-          </a:prstGeom>
-        </p:spPr>
-        <p:txBody>
-          <a:bodyPr xmlns:a="http://schemas.openxmlformats.org/drawingml/2006/main"/>
-          <a:lstStyle xmlns:a="http://schemas.openxmlformats.org/drawingml/2006/main"/>
-          <a:p xmlns:a="http://schemas.openxmlformats.org/drawingml/2006/main">
-            <a:pPr algn="l"/>
-            <a:r>
-              <a:rPr sz="700" b="1">
-                <a:latin typeface="Calibri"/>
-              </a:rPr>
-              <a:t>Miller MMIC Inc. All rights reserved</a:t>
-            </a:r>
-          </a:p>
-          <a:p xmlns:a="http://schemas.openxmlformats.org/drawingml/2006/main">
-            <a:pPr indent="-180000" algn="l"/>
-            <a:r>
-              <a:rPr sz="700" b="0">
-                <a:latin typeface="Calibri"/>
-              </a:rPr>
-              <a:t>Miller MMIC, Inc. holds exclusive rights to the information presented in its Data Sheet and any accompanying materials. As a premier supplier of cutting-edge RF solutions, Miller MMIC has made this information easily accessible to its clients.</a:t>
-            </a:r>
-          </a:p>
-          <a:p xmlns:a="http://schemas.openxmlformats.org/drawingml/2006/main">
-            <a:pPr indent="-180000" algn="l"/>
-            <a:r>
-              <a:rPr sz="700" b="0">
-                <a:latin typeface="Calibri"/>
-              </a:rPr>
-              <a:t/>
-            </a:r>
-          </a:p>
-          <a:p xmlns:a="http://schemas.openxmlformats.org/drawingml/2006/main">
-            <a:pPr indent="-180000" algn="l"/>
-            <a:r>
-              <a:rPr sz="700" b="0">
-                <a:latin typeface="Calibri"/>
-              </a:rPr>
-              <a:t>Although Miller MMIC believes the information provided in its Data Sheet to be trustworthy, the company does not offer any guarantees as to its accuracy. Therefore, Miller MMIC bears no responsibility for the use of this information. It is worth mentioning that the information within the Data Sheet may be altered without prior notification.</a:t>
-            </a:r>
-          </a:p>
-          <a:p xmlns:a="http://schemas.openxmlformats.org/drawingml/2006/main">
-            <a:pPr indent="-180000" algn="l"/>
-            <a:r>
-              <a:rPr sz="700" b="0">
-                <a:latin typeface="Calibri"/>
-              </a:rPr>
-              <a:t/>
-            </a:r>
-          </a:p>
-          <a:p xmlns:a="http://schemas.openxmlformats.org/drawingml/2006/main">
-            <a:pPr indent="-180000" algn="l"/>
-            <a:r>
-              <a:rPr sz="700" b="0">
-                <a:latin typeface="Calibri"/>
-              </a:rPr>
-              <a:t>Customers are encouraged to obtain and verify the most recent and pertinent information before placing any orders for Miller MMIC products. The information in the Data Sheet does not confer, either explicitly or implicitly, any rights or licenses with regards to patents or other forms of intellectual property to any third party.</a:t>
-            </a:r>
-          </a:p>
-          <a:p xmlns:a="http://schemas.openxmlformats.org/drawingml/2006/main">
-            <a:pPr indent="-180000" algn="l"/>
-            <a:r>
-              <a:rPr sz="700" b="0">
-                <a:latin typeface="Calibri"/>
-              </a:rPr>
-              <a:t/>
-            </a:r>
-          </a:p>
-          <a:p xmlns:a="http://schemas.openxmlformats.org/drawingml/2006/main">
-            <a:pPr indent="-180000" algn="l"/>
-            <a:r>
-              <a:rPr sz="700" b="0">
-                <a:latin typeface="Calibri"/>
-              </a:rPr>
-              <a:t>The information provided in the Data Sheet, or its utilization, does not bestow any patent rights, licenses, or other forms of intellectual property rights to any individual or entity, whether in regards to the information itself or anything described by such information. Furthermore, Miller MMIC products are not intended for use as critical components in applications where failure could result in severe injury or death, such as medical or life-saving equipment, or life-sustaining applications, or in any situation where failure could cause serious personal injury or death.</a:t>
-            </a:r>
-          </a:p>
-        </p:txBody>
-      </p:sp>
+        </p:nvGraphicFramePr>
+        <p:xfrm>
+          <a:off xmlns:a="http://schemas.openxmlformats.org/drawingml/2006/main" x="914400" y="7315100"/>
+          <a:ext xmlns:a="http://schemas.openxmlformats.org/drawingml/2006/main" cx="6000000" cy="2000000"/>
+        </p:xfrm>
+        <p:spPr/>
+        <a:graphic xmlns:a="http://schemas.openxmlformats.org/drawingml/2006/main">
+          <a:graphicData uri="http://schemas.openxmlformats.org/drawingml/2006/table">
+            <a:tbl>
+              <a:tblGrid>
+                <a:gridCol w="857145"/>
+                <a:gridCol w="857145"/>
+                <a:gridCol w="4285710"/>
+              </a:tblGrid>
+              <a:tr h="333333">
+                <a:tc>
+                  <a:txBody>
+                    <a:bodyPr anchor="ctr" anchorCtr="1"/>
+                    <a:lstStyle/>
+                    <a:p>
+                      <a:pPr algn="ctr"/>
+                      <a:r>
+                        <a:rPr sz="1000" b="1">
+                          <a:solidFill>
+                            <a:srgbClr val="FFFFFF"/>
+                          </a:solidFill>
+                          <a:latin typeface="Calibri"/>
+                        </a:rPr>
+                        <a:t>Item</a:t>
+                      </a:r>
+                      <a:endParaRPr lang="en-US"/>
+                    </a:p>
+                  </a:txBody>
+                  <a:tcPr anchor="ctr">
+                    <a:tcBdr>
+                      <a:left>
+                        <a:solidFill>
+                          <a:srgbClr val="D0D0D0"/>
+                        </a:solidFill>
+                      </a:left>
+                      <a:right>
+                        <a:solidFill>
+                          <a:srgbClr val="D0D0D0"/>
+                        </a:solidFill>
+                      </a:right>
+                      <a:top>
+                        <a:solidFill>
+                          <a:srgbClr val="D0D0D0"/>
+                        </a:solidFill>
+                      </a:top>
+                      <a:bottom>
+                        <a:solidFill>
+                          <a:srgbClr val="D0D0D0"/>
+                        </a:solidFill>
+                      </a:bottom>
+                    </a:tcBdr>
+                    <a:solidFill>
+                      <a:srgbClr val="757171"/>
+                    </a:solidFill>
+                  </a:tcPr>
+                </a:tc>
+                <a:tc>
+                  <a:txBody>
+                    <a:bodyPr anchor="ctr" anchorCtr="1"/>
+                    <a:lstStyle/>
+                    <a:p>
+                      <a:pPr algn="ctr"/>
+                      <a:r>
+                        <a:rPr sz="1000" b="1">
+                          <a:solidFill>
+                            <a:srgbClr val="FFFFFF"/>
+                          </a:solidFill>
+                          <a:latin typeface="Calibri"/>
+                        </a:rPr>
+                        <a:t>Funciton</a:t>
+                      </a:r>
+                      <a:endParaRPr lang="en-US"/>
+                    </a:p>
+                  </a:txBody>
+                  <a:tcPr anchor="ctr">
+                    <a:tcBdr>
+                      <a:left>
+                        <a:solidFill>
+                          <a:srgbClr val="D0D0D0"/>
+                        </a:solidFill>
+                      </a:left>
+                      <a:right>
+                        <a:solidFill>
+                          <a:srgbClr val="D0D0D0"/>
+                        </a:solidFill>
+                      </a:right>
+                      <a:top>
+                        <a:solidFill>
+                          <a:srgbClr val="D0D0D0"/>
+                        </a:solidFill>
+                      </a:top>
+                      <a:bottom>
+                        <a:solidFill>
+                          <a:srgbClr val="D0D0D0"/>
+                        </a:solidFill>
+                      </a:bottom>
+                    </a:tcBdr>
+                    <a:solidFill>
+                      <a:srgbClr val="757171"/>
+                    </a:solidFill>
+                  </a:tcPr>
+                </a:tc>
+                <a:tc>
+                  <a:txBody>
+                    <a:bodyPr anchor="ctr" anchorCtr="1"/>
+                    <a:lstStyle/>
+                    <a:p>
+                      <a:pPr algn="ctr"/>
+                      <a:r>
+                        <a:rPr sz="1000" b="1">
+                          <a:solidFill>
+                            <a:srgbClr val="FFFFFF"/>
+                          </a:solidFill>
+                          <a:latin typeface="Calibri"/>
+                        </a:rPr>
+                        <a:t>Description</a:t>
+                      </a:r>
+                      <a:endParaRPr lang="en-US"/>
+                    </a:p>
+                  </a:txBody>
+                  <a:tcPr anchor="ctr">
+                    <a:tcBdr>
+                      <a:left>
+                        <a:solidFill>
+                          <a:srgbClr val="D0D0D0"/>
+                        </a:solidFill>
+                      </a:left>
+                      <a:right>
+                        <a:solidFill>
+                          <a:srgbClr val="D0D0D0"/>
+                        </a:solidFill>
+                      </a:right>
+                      <a:top>
+                        <a:solidFill>
+                          <a:srgbClr val="D0D0D0"/>
+                        </a:solidFill>
+                      </a:top>
+                      <a:bottom>
+                        <a:solidFill>
+                          <a:srgbClr val="D0D0D0"/>
+                        </a:solidFill>
+                      </a:bottom>
+                    </a:tcBdr>
+                    <a:solidFill>
+                      <a:srgbClr val="757171"/>
+                    </a:solidFill>
+                  </a:tcPr>
+                </a:tc>
+              </a:tr>
+              <a:tr h="333333">
+                <a:tc>
+                  <a:txBody>
+                    <a:bodyPr anchor="ctr" anchorCtr="1"/>
+                    <a:lstStyle/>
+                    <a:p>
+                      <a:pPr algn="ctr"/>
+                      <a:r>
+                        <a:rPr sz="1000" b="0">
+                          <a:latin typeface="Calibri"/>
+                        </a:rPr>
+                        <a:t>1</a:t>
+                      </a:r>
+                      <a:endParaRPr lang="en-US"/>
+                    </a:p>
+                  </a:txBody>
+                  <a:tcPr anchor="ctr">
+                    <a:tcBdr>
+                      <a:left>
+                        <a:solidFill>
+                          <a:srgbClr val="D0D0D0"/>
+                        </a:solidFill>
+                      </a:left>
+                      <a:right>
+                        <a:solidFill>
+                          <a:srgbClr val="D0D0D0"/>
+                        </a:solidFill>
+                      </a:right>
+                      <a:top>
+                        <a:solidFill>
+                          <a:srgbClr val="D0D0D0"/>
+                        </a:solidFill>
+                      </a:top>
+                      <a:bottom>
+                        <a:solidFill>
+                          <a:srgbClr val="D0D0D0"/>
+                        </a:solidFill>
+                      </a:bottom>
+                    </a:tcBdr>
+                  </a:tcPr>
+                </a:tc>
+                <a:tc>
+                  <a:txBody>
+                    <a:bodyPr anchor="ctr" anchorCtr="1"/>
+                    <a:lstStyle/>
+                    <a:p>
+                      <a:pPr algn="ctr"/>
+                      <a:r>
+                        <a:rPr sz="1000" b="0">
+                          <a:latin typeface="Calibri"/>
+                        </a:rPr>
+                        <a:t>RF IN</a:t>
+                      </a:r>
+                      <a:endParaRPr lang="en-US"/>
+                    </a:p>
+                  </a:txBody>
+                  <a:tcPr anchor="ctr">
+                    <a:tcBdr>
+                      <a:left>
+                        <a:solidFill>
+                          <a:srgbClr val="D0D0D0"/>
+                        </a:solidFill>
+                      </a:left>
+                      <a:right>
+                        <a:solidFill>
+                          <a:srgbClr val="D0D0D0"/>
+                        </a:solidFill>
+                      </a:right>
+                      <a:top>
+                        <a:solidFill>
+                          <a:srgbClr val="D0D0D0"/>
+                        </a:solidFill>
+                      </a:top>
+                      <a:bottom>
+                        <a:solidFill>
+                          <a:srgbClr val="D0D0D0"/>
+                        </a:solidFill>
+                      </a:bottom>
+                    </a:tcBdr>
+                  </a:tcPr>
+                </a:tc>
+                <a:tc>
+                  <a:txBody>
+                    <a:bodyPr anchor="ctr" anchorCtr="1"/>
+                    <a:lstStyle/>
+                    <a:p>
+                      <a:pPr algn="ctr"/>
+                      <a:r>
+                        <a:rPr sz="1000" b="0">
+                          <a:latin typeface="Calibri"/>
+                        </a:rPr>
+                        <a:t>RF signal input terminal; no blocking capacitor required.</a:t>
+                      </a:r>
+                      <a:endParaRPr lang="en-US"/>
+                    </a:p>
+                  </a:txBody>
+                  <a:tcPr anchor="ctr">
+                    <a:tcBdr>
+                      <a:left>
+                        <a:solidFill>
+                          <a:srgbClr val="D0D0D0"/>
+                        </a:solidFill>
+                      </a:left>
+                      <a:right>
+                        <a:solidFill>
+                          <a:srgbClr val="D0D0D0"/>
+                        </a:solidFill>
+                      </a:right>
+                      <a:top>
+                        <a:solidFill>
+                          <a:srgbClr val="D0D0D0"/>
+                        </a:solidFill>
+                      </a:top>
+                      <a:bottom>
+                        <a:solidFill>
+                          <a:srgbClr val="D0D0D0"/>
+                        </a:solidFill>
+                      </a:bottom>
+                    </a:tcBdr>
+                  </a:tcPr>
+                </a:tc>
+              </a:tr>
+              <a:tr h="333333">
+                <a:tc>
+                  <a:txBody>
+                    <a:bodyPr anchor="ctr" anchorCtr="1"/>
+                    <a:lstStyle/>
+                    <a:p>
+                      <a:pPr algn="ctr"/>
+                      <a:r>
+                        <a:rPr sz="1000" b="0">
+                          <a:latin typeface="Calibri"/>
+                        </a:rPr>
+                        <a:t>2</a:t>
+                      </a:r>
+                      <a:endParaRPr lang="en-US"/>
+                    </a:p>
+                  </a:txBody>
+                  <a:tcPr anchor="ctr">
+                    <a:tcBdr>
+                      <a:left>
+                        <a:solidFill>
+                          <a:srgbClr val="D0D0D0"/>
+                        </a:solidFill>
+                      </a:left>
+                      <a:right>
+                        <a:solidFill>
+                          <a:srgbClr val="D0D0D0"/>
+                        </a:solidFill>
+                      </a:right>
+                      <a:top>
+                        <a:solidFill>
+                          <a:srgbClr val="D0D0D0"/>
+                        </a:solidFill>
+                      </a:top>
+                      <a:bottom>
+                        <a:solidFill>
+                          <a:srgbClr val="D0D0D0"/>
+                        </a:solidFill>
+                      </a:bottom>
+                    </a:tcBdr>
+                  </a:tcPr>
+                </a:tc>
+                <a:tc>
+                  <a:txBody>
+                    <a:bodyPr anchor="ctr" anchorCtr="1"/>
+                    <a:lstStyle/>
+                    <a:p>
+                      <a:pPr algn="ctr"/>
+                      <a:r>
+                        <a:rPr sz="1000" b="0">
+                          <a:latin typeface="Calibri"/>
+                        </a:rPr>
+                        <a:t>RF OUT</a:t>
+                      </a:r>
+                      <a:endParaRPr lang="en-US"/>
+                    </a:p>
+                  </a:txBody>
+                  <a:tcPr anchor="ctr">
+                    <a:tcBdr>
+                      <a:left>
+                        <a:solidFill>
+                          <a:srgbClr val="D0D0D0"/>
+                        </a:solidFill>
+                      </a:left>
+                      <a:right>
+                        <a:solidFill>
+                          <a:srgbClr val="D0D0D0"/>
+                        </a:solidFill>
+                      </a:right>
+                      <a:top>
+                        <a:solidFill>
+                          <a:srgbClr val="D0D0D0"/>
+                        </a:solidFill>
+                      </a:top>
+                      <a:bottom>
+                        <a:solidFill>
+                          <a:srgbClr val="D0D0D0"/>
+                        </a:solidFill>
+                      </a:bottom>
+                    </a:tcBdr>
+                  </a:tcPr>
+                </a:tc>
+                <a:tc>
+                  <a:txBody>
+                    <a:bodyPr anchor="ctr" anchorCtr="1"/>
+                    <a:lstStyle/>
+                    <a:p>
+                      <a:pPr algn="ctr"/>
+                      <a:r>
+                        <a:rPr sz="1000" b="0">
+                          <a:latin typeface="Calibri"/>
+                        </a:rPr>
+                        <a:t>RF signal output terminal; no blocking capacitor required.</a:t>
+                      </a:r>
+                      <a:endParaRPr lang="en-US"/>
+                    </a:p>
+                  </a:txBody>
+                  <a:tcPr anchor="ctr">
+                    <a:tcBdr>
+                      <a:left>
+                        <a:solidFill>
+                          <a:srgbClr val="D0D0D0"/>
+                        </a:solidFill>
+                      </a:left>
+                      <a:right>
+                        <a:solidFill>
+                          <a:srgbClr val="D0D0D0"/>
+                        </a:solidFill>
+                      </a:right>
+                      <a:top>
+                        <a:solidFill>
+                          <a:srgbClr val="D0D0D0"/>
+                        </a:solidFill>
+                      </a:top>
+                      <a:bottom>
+                        <a:solidFill>
+                          <a:srgbClr val="D0D0D0"/>
+                        </a:solidFill>
+                      </a:bottom>
+                    </a:tcBdr>
+                  </a:tcPr>
+                </a:tc>
+              </a:tr>
+              <a:tr h="333333">
+                <a:tc>
+                  <a:txBody>
+                    <a:bodyPr anchor="ctr" anchorCtr="1"/>
+                    <a:lstStyle/>
+                    <a:p>
+                      <a:pPr algn="ctr"/>
+                      <a:r>
+                        <a:rPr sz="1000" b="0">
+                          <a:latin typeface="Calibri"/>
+                        </a:rPr>
+                        <a:t>3</a:t>
+                      </a:r>
+                      <a:endParaRPr lang="en-US"/>
+                    </a:p>
+                  </a:txBody>
+                  <a:tcPr anchor="ctr">
+                    <a:tcBdr>
+                      <a:left>
+                        <a:solidFill>
+                          <a:srgbClr val="D0D0D0"/>
+                        </a:solidFill>
+                      </a:left>
+                      <a:right>
+                        <a:solidFill>
+                          <a:srgbClr val="D0D0D0"/>
+                        </a:solidFill>
+                      </a:right>
+                      <a:top>
+                        <a:solidFill>
+                          <a:srgbClr val="D0D0D0"/>
+                        </a:solidFill>
+                      </a:top>
+                      <a:bottom>
+                        <a:solidFill>
+                          <a:srgbClr val="D0D0D0"/>
+                        </a:solidFill>
+                      </a:bottom>
+                    </a:tcBdr>
+                  </a:tcPr>
+                </a:tc>
+                <a:tc>
+                  <a:txBody>
+                    <a:bodyPr anchor="ctr" anchorCtr="1"/>
+                    <a:lstStyle/>
+                    <a:p>
+                      <a:pPr algn="ctr"/>
+                      <a:r>
+                        <a:rPr sz="1000" b="0">
+                          <a:latin typeface="Calibri"/>
+                        </a:rPr>
+                        <a:t>VD</a:t>
+                      </a:r>
+                      <a:endParaRPr lang="en-US"/>
+                    </a:p>
+                  </a:txBody>
+                  <a:tcPr anchor="ctr">
+                    <a:tcBdr>
+                      <a:left>
+                        <a:solidFill>
+                          <a:srgbClr val="D0D0D0"/>
+                        </a:solidFill>
+                      </a:left>
+                      <a:right>
+                        <a:solidFill>
+                          <a:srgbClr val="D0D0D0"/>
+                        </a:solidFill>
+                      </a:right>
+                      <a:top>
+                        <a:solidFill>
+                          <a:srgbClr val="D0D0D0"/>
+                        </a:solidFill>
+                      </a:top>
+                      <a:bottom>
+                        <a:solidFill>
+                          <a:srgbClr val="D0D0D0"/>
+                        </a:solidFill>
+                      </a:bottom>
+                    </a:tcBdr>
+                  </a:tcPr>
+                </a:tc>
+                <a:tc>
+                  <a:txBody>
+                    <a:bodyPr anchor="ctr" anchorCtr="1"/>
+                    <a:lstStyle/>
+                    <a:p>
+                      <a:pPr algn="ctr"/>
+                      <a:r>
+                        <a:rPr sz="1000" b="0">
+                          <a:latin typeface="Calibri"/>
+                        </a:rPr>
+                        <a:t>Drain Biases for the Amplifier ; An external biasing circuit is required.</a:t>
+                      </a:r>
+                      <a:endParaRPr lang="en-US"/>
+                    </a:p>
+                  </a:txBody>
+                  <a:tcPr anchor="ctr">
+                    <a:tcBdr>
+                      <a:left>
+                        <a:solidFill>
+                          <a:srgbClr val="D0D0D0"/>
+                        </a:solidFill>
+                      </a:left>
+                      <a:right>
+                        <a:solidFill>
+                          <a:srgbClr val="D0D0D0"/>
+                        </a:solidFill>
+                      </a:right>
+                      <a:top>
+                        <a:solidFill>
+                          <a:srgbClr val="D0D0D0"/>
+                        </a:solidFill>
+                      </a:top>
+                      <a:bottom>
+                        <a:solidFill>
+                          <a:srgbClr val="D0D0D0"/>
+                        </a:solidFill>
+                      </a:bottom>
+                    </a:tcBdr>
+                  </a:tcPr>
+                </a:tc>
+              </a:tr>
+              <a:tr h="333333">
+                <a:tc>
+                  <a:txBody>
+                    <a:bodyPr anchor="ctr" anchorCtr="1"/>
+                    <a:lstStyle/>
+                    <a:p>
+                      <a:pPr algn="ctr"/>
+                      <a:r>
+                        <a:rPr sz="1000" b="0">
+                          <a:latin typeface="Calibri"/>
+                        </a:rPr>
+                        <a:t>4</a:t>
+                      </a:r>
+                      <a:endParaRPr lang="en-US"/>
+                    </a:p>
+                  </a:txBody>
+                  <a:tcPr anchor="ctr">
+                    <a:tcBdr>
+                      <a:left>
+                        <a:solidFill>
+                          <a:srgbClr val="D0D0D0"/>
+                        </a:solidFill>
+                      </a:left>
+                      <a:right>
+                        <a:solidFill>
+                          <a:srgbClr val="D0D0D0"/>
+                        </a:solidFill>
+                      </a:right>
+                      <a:top>
+                        <a:solidFill>
+                          <a:srgbClr val="D0D0D0"/>
+                        </a:solidFill>
+                      </a:top>
+                      <a:bottom>
+                        <a:solidFill>
+                          <a:srgbClr val="D0D0D0"/>
+                        </a:solidFill>
+                      </a:bottom>
+                    </a:tcBdr>
+                  </a:tcPr>
+                </a:tc>
+                <a:tc>
+                  <a:txBody>
+                    <a:bodyPr anchor="ctr" anchorCtr="1"/>
+                    <a:lstStyle/>
+                    <a:p>
+                      <a:pPr algn="ctr"/>
+                      <a:r>
+                        <a:rPr sz="1000" b="0">
+                          <a:latin typeface="Calibri"/>
+                        </a:rPr>
+                        <a:t>VG</a:t>
+                      </a:r>
+                      <a:endParaRPr lang="en-US"/>
+                    </a:p>
+                  </a:txBody>
+                  <a:tcPr anchor="ctr">
+                    <a:tcBdr>
+                      <a:left>
+                        <a:solidFill>
+                          <a:srgbClr val="D0D0D0"/>
+                        </a:solidFill>
+                      </a:left>
+                      <a:right>
+                        <a:solidFill>
+                          <a:srgbClr val="D0D0D0"/>
+                        </a:solidFill>
+                      </a:right>
+                      <a:top>
+                        <a:solidFill>
+                          <a:srgbClr val="D0D0D0"/>
+                        </a:solidFill>
+                      </a:top>
+                      <a:bottom>
+                        <a:solidFill>
+                          <a:srgbClr val="D0D0D0"/>
+                        </a:solidFill>
+                      </a:bottom>
+                    </a:tcBdr>
+                  </a:tcPr>
+                </a:tc>
+                <a:tc>
+                  <a:txBody>
+                    <a:bodyPr anchor="ctr" anchorCtr="1"/>
+                    <a:lstStyle/>
+                    <a:p>
+                      <a:pPr algn="ctr"/>
+                      <a:r>
+                        <a:rPr sz="1000" b="0">
+                          <a:latin typeface="Calibri"/>
+                        </a:rPr>
+                        <a:t>Gate Biases for the Amplifier ; An external biasing circuit is required.</a:t>
+                      </a:r>
+                      <a:endParaRPr lang="en-US"/>
+                    </a:p>
+                  </a:txBody>
+                  <a:tcPr anchor="ctr">
+                    <a:tcBdr>
+                      <a:left>
+                        <a:solidFill>
+                          <a:srgbClr val="D0D0D0"/>
+                        </a:solidFill>
+                      </a:left>
+                      <a:right>
+                        <a:solidFill>
+                          <a:srgbClr val="D0D0D0"/>
+                        </a:solidFill>
+                      </a:right>
+                      <a:top>
+                        <a:solidFill>
+                          <a:srgbClr val="D0D0D0"/>
+                        </a:solidFill>
+                      </a:top>
+                      <a:bottom>
+                        <a:solidFill>
+                          <a:srgbClr val="D0D0D0"/>
+                        </a:solidFill>
+                      </a:bottom>
+                    </a:tcBdr>
+                  </a:tcPr>
+                </a:tc>
+              </a:tr>
+              <a:tr h="333333">
+                <a:tc>
+                  <a:txBody>
+                    <a:bodyPr anchor="ctr" anchorCtr="1"/>
+                    <a:lstStyle/>
+                    <a:p>
+                      <a:pPr algn="ctr"/>
+                      <a:r>
+                        <a:rPr sz="1000" b="0">
+                          <a:latin typeface="Calibri"/>
+                        </a:rPr>
+                        <a:t>5</a:t>
+                      </a:r>
+                      <a:endParaRPr lang="en-US"/>
+                    </a:p>
+                  </a:txBody>
+                  <a:tcPr anchor="ctr">
+                    <a:tcBdr>
+                      <a:left>
+                        <a:solidFill>
+                          <a:srgbClr val="D0D0D0"/>
+                        </a:solidFill>
+                      </a:left>
+                      <a:right>
+                        <a:solidFill>
+                          <a:srgbClr val="D0D0D0"/>
+                        </a:solidFill>
+                      </a:right>
+                      <a:top>
+                        <a:solidFill>
+                          <a:srgbClr val="D0D0D0"/>
+                        </a:solidFill>
+                      </a:top>
+                      <a:bottom>
+                        <a:solidFill>
+                          <a:srgbClr val="D0D0D0"/>
+                        </a:solidFill>
+                      </a:bottom>
+                    </a:tcBdr>
+                  </a:tcPr>
+                </a:tc>
+                <a:tc>
+                  <a:txBody>
+                    <a:bodyPr anchor="ctr" anchorCtr="1"/>
+                    <a:lstStyle/>
+                    <a:p>
+                      <a:pPr algn="ctr"/>
+                      <a:r>
+                        <a:rPr sz="1000" b="0">
+                          <a:latin typeface="Calibri"/>
+                        </a:rPr>
+                        <a:t>Die Bottom</a:t>
+                      </a:r>
+                      <a:endParaRPr lang="en-US"/>
+                    </a:p>
+                  </a:txBody>
+                  <a:tcPr anchor="ctr">
+                    <a:tcBdr>
+                      <a:left>
+                        <a:solidFill>
+                          <a:srgbClr val="D0D0D0"/>
+                        </a:solidFill>
+                      </a:left>
+                      <a:right>
+                        <a:solidFill>
+                          <a:srgbClr val="D0D0D0"/>
+                        </a:solidFill>
+                      </a:right>
+                      <a:top>
+                        <a:solidFill>
+                          <a:srgbClr val="D0D0D0"/>
+                        </a:solidFill>
+                      </a:top>
+                      <a:bottom>
+                        <a:solidFill>
+                          <a:srgbClr val="D0D0D0"/>
+                        </a:solidFill>
+                      </a:bottom>
+                    </a:tcBdr>
+                  </a:tcPr>
+                </a:tc>
+                <a:tc>
+                  <a:txBody>
+                    <a:bodyPr anchor="ctr" anchorCtr="1"/>
+                    <a:lstStyle/>
+                    <a:p>
+                      <a:pPr algn="ctr"/>
+                      <a:r>
+                        <a:rPr sz="1000" b="0">
+                          <a:latin typeface="Calibri"/>
+                        </a:rPr>
+                        <a:t>Die bottom must be connected to RF and dc ground.</a:t>
+                      </a:r>
+                      <a:endParaRPr lang="en-US"/>
+                    </a:p>
+                  </a:txBody>
+                  <a:tcPr anchor="ctr">
+                    <a:tcBdr>
+                      <a:left>
+                        <a:solidFill>
+                          <a:srgbClr val="D0D0D0"/>
+                        </a:solidFill>
+                      </a:left>
+                      <a:right>
+                        <a:solidFill>
+                          <a:srgbClr val="D0D0D0"/>
+                        </a:solidFill>
+                      </a:right>
+                      <a:top>
+                        <a:solidFill>
+                          <a:srgbClr val="D0D0D0"/>
+                        </a:solidFill>
+                      </a:top>
+                      <a:bottom>
+                        <a:solidFill>
+                          <a:srgbClr val="D0D0D0"/>
+                        </a:solidFill>
+                      </a:bottom>
+                    </a:tcBdr>
+                  </a:tcPr>
+                </a:tc>
+              </a:tr>
+            </a:tbl>
+          </a:graphicData>
+        </a:graphic>
+      </p:graphicFrame>
     </p:spTree>
   </p:cSld>
   <p:clrMapOvr>
